--- a/metadata/Fish_Workflow_Tables.pptx
+++ b/metadata/Fish_Workflow_Tables.pptx
@@ -107,11 +107,390 @@
       </a:defRPr>
     </a:lvl9pPr>
   </p:defaultTextStyle>
+  <p:extLst>
+    <p:ext uri="{EFAFB233-063F-42B5-8137-9DF3F51BA10A}">
+      <p15:sldGuideLst xmlns:p15="http://schemas.microsoft.com/office/powerpoint/2012/main"/>
+    </p:ext>
+  </p:extLst>
 </p:presentation>
+</file>
+
+<file path=ppt/revisionInfo.xml><?xml version="1.0" encoding="utf-8"?>
+<p1510:revInfo xmlns:a="http://schemas.openxmlformats.org/drawingml/2006/main" xmlns:r="http://schemas.openxmlformats.org/officeDocument/2006/relationships" xmlns:p1510="http://schemas.microsoft.com/office/powerpoint/2015/10/main">
+  <p1510:revLst>
+    <p1510:client id="{43A55E6C-F28B-4968-8520-805C858CAD16}" v="12" dt="2022-05-23T16:21:10.650"/>
+  </p1510:revLst>
+</p1510:revInfo>
 </file>
 
 <file path=ppt/changesInfos/changesInfo1.xml><?xml version="1.0" encoding="utf-8"?>
 <pc:chgInfo xmlns:a="http://schemas.openxmlformats.org/drawingml/2006/main" xmlns:r="http://schemas.openxmlformats.org/officeDocument/2006/relationships" xmlns:ac="http://schemas.microsoft.com/office/drawing/2013/main/command" xmlns:pc="http://schemas.microsoft.com/office/powerpoint/2013/main/command">
+  <pc:docChgLst>
+    <pc:chgData name="Pien, Catarina@DWR" userId="5db4c969-fc4f-40b6-b3e1-e51eccd95ace" providerId="ADAL" clId="{43A55E6C-F28B-4968-8520-805C858CAD16}"/>
+    <pc:docChg chg="undo custSel modSld">
+      <pc:chgData name="Pien, Catarina@DWR" userId="5db4c969-fc4f-40b6-b3e1-e51eccd95ace" providerId="ADAL" clId="{43A55E6C-F28B-4968-8520-805C858CAD16}" dt="2022-05-23T16:24:17.209" v="460" actId="207"/>
+      <pc:docMkLst>
+        <pc:docMk/>
+      </pc:docMkLst>
+      <pc:sldChg chg="modSp mod">
+        <pc:chgData name="Pien, Catarina@DWR" userId="5db4c969-fc4f-40b6-b3e1-e51eccd95ace" providerId="ADAL" clId="{43A55E6C-F28B-4968-8520-805C858CAD16}" dt="2022-05-23T16:08:33.784" v="199" actId="20577"/>
+        <pc:sldMkLst>
+          <pc:docMk/>
+          <pc:sldMk cId="3477719623" sldId="256"/>
+        </pc:sldMkLst>
+        <pc:spChg chg="mod">
+          <ac:chgData name="Pien, Catarina@DWR" userId="5db4c969-fc4f-40b6-b3e1-e51eccd95ace" providerId="ADAL" clId="{43A55E6C-F28B-4968-8520-805C858CAD16}" dt="2022-05-23T16:08:33.784" v="199" actId="20577"/>
+          <ac:spMkLst>
+            <pc:docMk/>
+            <pc:sldMk cId="3477719623" sldId="256"/>
+            <ac:spMk id="2" creationId="{C78168CE-DA5D-4C40-858D-AAA4ECAD66A3}"/>
+          </ac:spMkLst>
+        </pc:spChg>
+      </pc:sldChg>
+      <pc:sldChg chg="addSp delSp modSp mod">
+        <pc:chgData name="Pien, Catarina@DWR" userId="5db4c969-fc4f-40b6-b3e1-e51eccd95ace" providerId="ADAL" clId="{43A55E6C-F28B-4968-8520-805C858CAD16}" dt="2022-05-23T16:24:17.209" v="460" actId="207"/>
+        <pc:sldMkLst>
+          <pc:docMk/>
+          <pc:sldMk cId="787622299" sldId="257"/>
+        </pc:sldMkLst>
+        <pc:spChg chg="mod">
+          <ac:chgData name="Pien, Catarina@DWR" userId="5db4c969-fc4f-40b6-b3e1-e51eccd95ace" providerId="ADAL" clId="{43A55E6C-F28B-4968-8520-805C858CAD16}" dt="2022-05-23T16:19:06.157" v="420" actId="404"/>
+          <ac:spMkLst>
+            <pc:docMk/>
+            <pc:sldMk cId="787622299" sldId="257"/>
+            <ac:spMk id="70" creationId="{BF80F1B4-32EA-49B9-BDB7-5E2BA0A1AE13}"/>
+          </ac:spMkLst>
+        </pc:spChg>
+        <pc:graphicFrameChg chg="mod">
+          <ac:chgData name="Pien, Catarina@DWR" userId="5db4c969-fc4f-40b6-b3e1-e51eccd95ace" providerId="ADAL" clId="{43A55E6C-F28B-4968-8520-805C858CAD16}" dt="2022-05-23T16:19:40.438" v="432" actId="1035"/>
+          <ac:graphicFrameMkLst>
+            <pc:docMk/>
+            <pc:sldMk cId="787622299" sldId="257"/>
+            <ac:graphicFrameMk id="4" creationId="{72336E21-06DE-45F2-A3DD-CA8C268EE9F8}"/>
+          </ac:graphicFrameMkLst>
+        </pc:graphicFrameChg>
+        <pc:graphicFrameChg chg="mod modGraphic">
+          <ac:chgData name="Pien, Catarina@DWR" userId="5db4c969-fc4f-40b6-b3e1-e51eccd95ace" providerId="ADAL" clId="{43A55E6C-F28B-4968-8520-805C858CAD16}" dt="2022-05-23T16:19:20.648" v="424" actId="1038"/>
+          <ac:graphicFrameMkLst>
+            <pc:docMk/>
+            <pc:sldMk cId="787622299" sldId="257"/>
+            <ac:graphicFrameMk id="5" creationId="{69B91528-B28D-4663-ACF7-36EEBD7779C9}"/>
+          </ac:graphicFrameMkLst>
+        </pc:graphicFrameChg>
+        <pc:graphicFrameChg chg="mod modGraphic">
+          <ac:chgData name="Pien, Catarina@DWR" userId="5db4c969-fc4f-40b6-b3e1-e51eccd95ace" providerId="ADAL" clId="{43A55E6C-F28B-4968-8520-805C858CAD16}" dt="2022-05-23T16:10:47.189" v="242" actId="20577"/>
+          <ac:graphicFrameMkLst>
+            <pc:docMk/>
+            <pc:sldMk cId="787622299" sldId="257"/>
+            <ac:graphicFrameMk id="6" creationId="{9B9392E5-D63F-47C3-B5AC-E9F0047BB951}"/>
+          </ac:graphicFrameMkLst>
+        </pc:graphicFrameChg>
+        <pc:graphicFrameChg chg="mod modGraphic">
+          <ac:chgData name="Pien, Catarina@DWR" userId="5db4c969-fc4f-40b6-b3e1-e51eccd95ace" providerId="ADAL" clId="{43A55E6C-F28B-4968-8520-805C858CAD16}" dt="2022-05-23T16:24:17.209" v="460" actId="207"/>
+          <ac:graphicFrameMkLst>
+            <pc:docMk/>
+            <pc:sldMk cId="787622299" sldId="257"/>
+            <ac:graphicFrameMk id="7" creationId="{646A9424-A943-4F10-A6BE-556E12C966B5}"/>
+          </ac:graphicFrameMkLst>
+        </pc:graphicFrameChg>
+        <pc:graphicFrameChg chg="mod modGraphic">
+          <ac:chgData name="Pien, Catarina@DWR" userId="5db4c969-fc4f-40b6-b3e1-e51eccd95ace" providerId="ADAL" clId="{43A55E6C-F28B-4968-8520-805C858CAD16}" dt="2022-05-23T16:22:39.576" v="456" actId="2084"/>
+          <ac:graphicFrameMkLst>
+            <pc:docMk/>
+            <pc:sldMk cId="787622299" sldId="257"/>
+            <ac:graphicFrameMk id="8" creationId="{300956D0-DFB1-49DB-9550-FF12E49D3825}"/>
+          </ac:graphicFrameMkLst>
+        </pc:graphicFrameChg>
+        <pc:graphicFrameChg chg="modGraphic">
+          <ac:chgData name="Pien, Catarina@DWR" userId="5db4c969-fc4f-40b6-b3e1-e51eccd95ace" providerId="ADAL" clId="{43A55E6C-F28B-4968-8520-805C858CAD16}" dt="2022-05-23T16:23:01.864" v="457" actId="207"/>
+          <ac:graphicFrameMkLst>
+            <pc:docMk/>
+            <pc:sldMk cId="787622299" sldId="257"/>
+            <ac:graphicFrameMk id="10" creationId="{C716CEBB-AFAF-4E5E-A8DC-2BB70ECD2327}"/>
+          </ac:graphicFrameMkLst>
+        </pc:graphicFrameChg>
+        <pc:graphicFrameChg chg="mod modGraphic">
+          <ac:chgData name="Pien, Catarina@DWR" userId="5db4c969-fc4f-40b6-b3e1-e51eccd95ace" providerId="ADAL" clId="{43A55E6C-F28B-4968-8520-805C858CAD16}" dt="2022-05-23T16:24:14.404" v="459" actId="207"/>
+          <ac:graphicFrameMkLst>
+            <pc:docMk/>
+            <pc:sldMk cId="787622299" sldId="257"/>
+            <ac:graphicFrameMk id="11" creationId="{84110050-F03A-4EDB-A5B8-DCBBC497E5D1}"/>
+          </ac:graphicFrameMkLst>
+        </pc:graphicFrameChg>
+        <pc:graphicFrameChg chg="mod modGraphic">
+          <ac:chgData name="Pien, Catarina@DWR" userId="5db4c969-fc4f-40b6-b3e1-e51eccd95ace" providerId="ADAL" clId="{43A55E6C-F28B-4968-8520-805C858CAD16}" dt="2022-05-23T16:20:01.102" v="437" actId="1036"/>
+          <ac:graphicFrameMkLst>
+            <pc:docMk/>
+            <pc:sldMk cId="787622299" sldId="257"/>
+            <ac:graphicFrameMk id="12" creationId="{E5DEAE2D-A247-41CB-93EE-6FFBFBD2E9FA}"/>
+          </ac:graphicFrameMkLst>
+        </pc:graphicFrameChg>
+        <pc:cxnChg chg="mod">
+          <ac:chgData name="Pien, Catarina@DWR" userId="5db4c969-fc4f-40b6-b3e1-e51eccd95ace" providerId="ADAL" clId="{43A55E6C-F28B-4968-8520-805C858CAD16}" dt="2022-05-23T16:17:37.660" v="407" actId="14100"/>
+          <ac:cxnSpMkLst>
+            <pc:docMk/>
+            <pc:sldMk cId="787622299" sldId="257"/>
+            <ac:cxnSpMk id="16" creationId="{65BB9A6E-1C3A-4791-B15E-93567069C2DE}"/>
+          </ac:cxnSpMkLst>
+        </pc:cxnChg>
+        <pc:cxnChg chg="mod">
+          <ac:chgData name="Pien, Catarina@DWR" userId="5db4c969-fc4f-40b6-b3e1-e51eccd95ace" providerId="ADAL" clId="{43A55E6C-F28B-4968-8520-805C858CAD16}" dt="2022-05-23T16:16:08.668" v="389" actId="1076"/>
+          <ac:cxnSpMkLst>
+            <pc:docMk/>
+            <pc:sldMk cId="787622299" sldId="257"/>
+            <ac:cxnSpMk id="17" creationId="{39331161-AD58-477B-BB9B-F25D7474C1F6}"/>
+          </ac:cxnSpMkLst>
+        </pc:cxnChg>
+        <pc:cxnChg chg="mod">
+          <ac:chgData name="Pien, Catarina@DWR" userId="5db4c969-fc4f-40b6-b3e1-e51eccd95ace" providerId="ADAL" clId="{43A55E6C-F28B-4968-8520-805C858CAD16}" dt="2022-05-23T16:17:14.203" v="404" actId="14100"/>
+          <ac:cxnSpMkLst>
+            <pc:docMk/>
+            <pc:sldMk cId="787622299" sldId="257"/>
+            <ac:cxnSpMk id="19" creationId="{BFD6B392-05B1-4A63-8046-5E7A07AD3D56}"/>
+          </ac:cxnSpMkLst>
+        </pc:cxnChg>
+        <pc:cxnChg chg="mod">
+          <ac:chgData name="Pien, Catarina@DWR" userId="5db4c969-fc4f-40b6-b3e1-e51eccd95ace" providerId="ADAL" clId="{43A55E6C-F28B-4968-8520-805C858CAD16}" dt="2022-05-23T16:19:52.971" v="436" actId="14100"/>
+          <ac:cxnSpMkLst>
+            <pc:docMk/>
+            <pc:sldMk cId="787622299" sldId="257"/>
+            <ac:cxnSpMk id="33" creationId="{44620547-41A8-4835-BB6C-908884E028BA}"/>
+          </ac:cxnSpMkLst>
+        </pc:cxnChg>
+        <pc:cxnChg chg="mod">
+          <ac:chgData name="Pien, Catarina@DWR" userId="5db4c969-fc4f-40b6-b3e1-e51eccd95ace" providerId="ADAL" clId="{43A55E6C-F28B-4968-8520-805C858CAD16}" dt="2022-05-23T16:19:45.662" v="433" actId="1076"/>
+          <ac:cxnSpMkLst>
+            <pc:docMk/>
+            <pc:sldMk cId="787622299" sldId="257"/>
+            <ac:cxnSpMk id="34" creationId="{9C5695CD-D657-4017-8F97-A2D8356496C2}"/>
+          </ac:cxnSpMkLst>
+        </pc:cxnChg>
+        <pc:cxnChg chg="add del mod">
+          <ac:chgData name="Pien, Catarina@DWR" userId="5db4c969-fc4f-40b6-b3e1-e51eccd95ace" providerId="ADAL" clId="{43A55E6C-F28B-4968-8520-805C858CAD16}" dt="2022-05-23T16:18:01.989" v="411"/>
+          <ac:cxnSpMkLst>
+            <pc:docMk/>
+            <pc:sldMk cId="787622299" sldId="257"/>
+            <ac:cxnSpMk id="35" creationId="{EC3FDB79-4639-4C74-8EDF-2C8AC561B0EC}"/>
+          </ac:cxnSpMkLst>
+        </pc:cxnChg>
+        <pc:cxnChg chg="add mod">
+          <ac:chgData name="Pien, Catarina@DWR" userId="5db4c969-fc4f-40b6-b3e1-e51eccd95ace" providerId="ADAL" clId="{43A55E6C-F28B-4968-8520-805C858CAD16}" dt="2022-05-23T16:21:39.800" v="453" actId="1076"/>
+          <ac:cxnSpMkLst>
+            <pc:docMk/>
+            <pc:sldMk cId="787622299" sldId="257"/>
+            <ac:cxnSpMk id="36" creationId="{FC203FF0-7314-4C68-BC84-0245F7729C64}"/>
+          </ac:cxnSpMkLst>
+        </pc:cxnChg>
+        <pc:cxnChg chg="mod">
+          <ac:chgData name="Pien, Catarina@DWR" userId="5db4c969-fc4f-40b6-b3e1-e51eccd95ace" providerId="ADAL" clId="{43A55E6C-F28B-4968-8520-805C858CAD16}" dt="2022-05-23T16:19:48.451" v="434" actId="14100"/>
+          <ac:cxnSpMkLst>
+            <pc:docMk/>
+            <pc:sldMk cId="787622299" sldId="257"/>
+            <ac:cxnSpMk id="37" creationId="{9F51EDFB-74A2-404B-B657-A05706E46BE6}"/>
+          </ac:cxnSpMkLst>
+        </pc:cxnChg>
+        <pc:cxnChg chg="mod">
+          <ac:chgData name="Pien, Catarina@DWR" userId="5db4c969-fc4f-40b6-b3e1-e51eccd95ace" providerId="ADAL" clId="{43A55E6C-F28B-4968-8520-805C858CAD16}" dt="2022-05-23T16:19:38.450" v="430" actId="1035"/>
+          <ac:cxnSpMkLst>
+            <pc:docMk/>
+            <pc:sldMk cId="787622299" sldId="257"/>
+            <ac:cxnSpMk id="40" creationId="{BA75836D-2E5C-4E9D-9D21-2820AF62A576}"/>
+          </ac:cxnSpMkLst>
+        </pc:cxnChg>
+        <pc:cxnChg chg="mod">
+          <ac:chgData name="Pien, Catarina@DWR" userId="5db4c969-fc4f-40b6-b3e1-e51eccd95ace" providerId="ADAL" clId="{43A55E6C-F28B-4968-8520-805C858CAD16}" dt="2022-05-23T16:16:47.253" v="396" actId="1076"/>
+          <ac:cxnSpMkLst>
+            <pc:docMk/>
+            <pc:sldMk cId="787622299" sldId="257"/>
+            <ac:cxnSpMk id="43" creationId="{DF5D0FE1-AD74-4A1B-A0F3-C60A478AA357}"/>
+          </ac:cxnSpMkLst>
+        </pc:cxnChg>
+        <pc:cxnChg chg="mod">
+          <ac:chgData name="Pien, Catarina@DWR" userId="5db4c969-fc4f-40b6-b3e1-e51eccd95ace" providerId="ADAL" clId="{43A55E6C-F28B-4968-8520-805C858CAD16}" dt="2022-05-23T16:17:50.916" v="408" actId="14100"/>
+          <ac:cxnSpMkLst>
+            <pc:docMk/>
+            <pc:sldMk cId="787622299" sldId="257"/>
+            <ac:cxnSpMk id="44" creationId="{921D87C3-9D0D-4311-9F52-BE7A0F32EF1F}"/>
+          </ac:cxnSpMkLst>
+        </pc:cxnChg>
+        <pc:cxnChg chg="add mod">
+          <ac:chgData name="Pien, Catarina@DWR" userId="5db4c969-fc4f-40b6-b3e1-e51eccd95ace" providerId="ADAL" clId="{43A55E6C-F28B-4968-8520-805C858CAD16}" dt="2022-05-23T16:20:50.676" v="443" actId="208"/>
+          <ac:cxnSpMkLst>
+            <pc:docMk/>
+            <pc:sldMk cId="787622299" sldId="257"/>
+            <ac:cxnSpMk id="45" creationId="{B84FCA62-68BE-4572-B072-7EACD628C1C8}"/>
+          </ac:cxnSpMkLst>
+        </pc:cxnChg>
+        <pc:cxnChg chg="add mod">
+          <ac:chgData name="Pien, Catarina@DWR" userId="5db4c969-fc4f-40b6-b3e1-e51eccd95ace" providerId="ADAL" clId="{43A55E6C-F28B-4968-8520-805C858CAD16}" dt="2022-05-23T16:21:28.022" v="452" actId="14100"/>
+          <ac:cxnSpMkLst>
+            <pc:docMk/>
+            <pc:sldMk cId="787622299" sldId="257"/>
+            <ac:cxnSpMk id="46" creationId="{34F7CD13-9601-4A87-B083-A9413536C0B7}"/>
+          </ac:cxnSpMkLst>
+        </pc:cxnChg>
+        <pc:cxnChg chg="mod">
+          <ac:chgData name="Pien, Catarina@DWR" userId="5db4c969-fc4f-40b6-b3e1-e51eccd95ace" providerId="ADAL" clId="{43A55E6C-F28B-4968-8520-805C858CAD16}" dt="2022-05-23T16:17:52.534" v="409" actId="1076"/>
+          <ac:cxnSpMkLst>
+            <pc:docMk/>
+            <pc:sldMk cId="787622299" sldId="257"/>
+            <ac:cxnSpMk id="47" creationId="{3971812A-564E-4515-8D42-D1876BD72ABA}"/>
+          </ac:cxnSpMkLst>
+        </pc:cxnChg>
+        <pc:cxnChg chg="add mod">
+          <ac:chgData name="Pien, Catarina@DWR" userId="5db4c969-fc4f-40b6-b3e1-e51eccd95ace" providerId="ADAL" clId="{43A55E6C-F28B-4968-8520-805C858CAD16}" dt="2022-05-23T16:21:20.564" v="451" actId="208"/>
+          <ac:cxnSpMkLst>
+            <pc:docMk/>
+            <pc:sldMk cId="787622299" sldId="257"/>
+            <ac:cxnSpMk id="48" creationId="{531834C6-4505-4147-B8A4-5682B4A15354}"/>
+          </ac:cxnSpMkLst>
+        </pc:cxnChg>
+        <pc:cxnChg chg="mod">
+          <ac:chgData name="Pien, Catarina@DWR" userId="5db4c969-fc4f-40b6-b3e1-e51eccd95ace" providerId="ADAL" clId="{43A55E6C-F28B-4968-8520-805C858CAD16}" dt="2022-05-23T16:21:50.040" v="455" actId="14100"/>
+          <ac:cxnSpMkLst>
+            <pc:docMk/>
+            <pc:sldMk cId="787622299" sldId="257"/>
+            <ac:cxnSpMk id="50" creationId="{FDAD0099-E6C5-4C5E-8DF8-A2769C0E396D}"/>
+          </ac:cxnSpMkLst>
+        </pc:cxnChg>
+        <pc:cxnChg chg="mod">
+          <ac:chgData name="Pien, Catarina@DWR" userId="5db4c969-fc4f-40b6-b3e1-e51eccd95ace" providerId="ADAL" clId="{43A55E6C-F28B-4968-8520-805C858CAD16}" dt="2022-05-23T16:16:55.396" v="399" actId="14100"/>
+          <ac:cxnSpMkLst>
+            <pc:docMk/>
+            <pc:sldMk cId="787622299" sldId="257"/>
+            <ac:cxnSpMk id="54" creationId="{D98C06AE-B8D5-4675-9EB0-D49465DBCC09}"/>
+          </ac:cxnSpMkLst>
+        </pc:cxnChg>
+        <pc:cxnChg chg="del">
+          <ac:chgData name="Pien, Catarina@DWR" userId="5db4c969-fc4f-40b6-b3e1-e51eccd95ace" providerId="ADAL" clId="{43A55E6C-F28B-4968-8520-805C858CAD16}" dt="2022-05-17T00:44:11.333" v="63" actId="478"/>
+          <ac:cxnSpMkLst>
+            <pc:docMk/>
+            <pc:sldMk cId="787622299" sldId="257"/>
+            <ac:cxnSpMk id="55" creationId="{78A4CC32-56E6-4E0F-A1E3-AEC2D4F29B4C}"/>
+          </ac:cxnSpMkLst>
+        </pc:cxnChg>
+        <pc:cxnChg chg="mod">
+          <ac:chgData name="Pien, Catarina@DWR" userId="5db4c969-fc4f-40b6-b3e1-e51eccd95ace" providerId="ADAL" clId="{43A55E6C-F28B-4968-8520-805C858CAD16}" dt="2022-05-23T16:16:52.481" v="398" actId="1076"/>
+          <ac:cxnSpMkLst>
+            <pc:docMk/>
+            <pc:sldMk cId="787622299" sldId="257"/>
+            <ac:cxnSpMk id="58" creationId="{4A1E31EF-5737-4A73-AD8B-EC57B136CC88}"/>
+          </ac:cxnSpMkLst>
+        </pc:cxnChg>
+        <pc:cxnChg chg="del">
+          <ac:chgData name="Pien, Catarina@DWR" userId="5db4c969-fc4f-40b6-b3e1-e51eccd95ace" providerId="ADAL" clId="{43A55E6C-F28B-4968-8520-805C858CAD16}" dt="2022-05-17T00:44:12.703" v="64" actId="478"/>
+          <ac:cxnSpMkLst>
+            <pc:docMk/>
+            <pc:sldMk cId="787622299" sldId="257"/>
+            <ac:cxnSpMk id="61" creationId="{4B1EC17A-D64D-49F6-9294-B583CFECDD5C}"/>
+          </ac:cxnSpMkLst>
+        </pc:cxnChg>
+        <pc:cxnChg chg="del">
+          <ac:chgData name="Pien, Catarina@DWR" userId="5db4c969-fc4f-40b6-b3e1-e51eccd95ace" providerId="ADAL" clId="{43A55E6C-F28B-4968-8520-805C858CAD16}" dt="2022-05-17T00:44:10.433" v="62" actId="478"/>
+          <ac:cxnSpMkLst>
+            <pc:docMk/>
+            <pc:sldMk cId="787622299" sldId="257"/>
+            <ac:cxnSpMk id="63" creationId="{657FE358-0204-4A56-8F95-61A3C867AAE4}"/>
+          </ac:cxnSpMkLst>
+        </pc:cxnChg>
+      </pc:sldChg>
+      <pc:sldChg chg="addSp delSp modSp mod">
+        <pc:chgData name="Pien, Catarina@DWR" userId="5db4c969-fc4f-40b6-b3e1-e51eccd95ace" providerId="ADAL" clId="{43A55E6C-F28B-4968-8520-805C858CAD16}" dt="2022-05-13T22:06:28.327" v="47" actId="478"/>
+        <pc:sldMkLst>
+          <pc:docMk/>
+          <pc:sldMk cId="736262757" sldId="259"/>
+        </pc:sldMkLst>
+        <pc:spChg chg="mod">
+          <ac:chgData name="Pien, Catarina@DWR" userId="5db4c969-fc4f-40b6-b3e1-e51eccd95ace" providerId="ADAL" clId="{43A55E6C-F28B-4968-8520-805C858CAD16}" dt="2022-05-13T21:59:35.265" v="4" actId="1076"/>
+          <ac:spMkLst>
+            <pc:docMk/>
+            <pc:sldMk cId="736262757" sldId="259"/>
+            <ac:spMk id="7" creationId="{8E33BC2E-F94C-4B46-8FCC-31ED10BC152F}"/>
+          </ac:spMkLst>
+        </pc:spChg>
+        <pc:spChg chg="add mod">
+          <ac:chgData name="Pien, Catarina@DWR" userId="5db4c969-fc4f-40b6-b3e1-e51eccd95ace" providerId="ADAL" clId="{43A55E6C-F28B-4968-8520-805C858CAD16}" dt="2022-05-13T22:00:32.611" v="33" actId="14100"/>
+          <ac:spMkLst>
+            <pc:docMk/>
+            <pc:sldMk cId="736262757" sldId="259"/>
+            <ac:spMk id="28" creationId="{2C542420-B2CE-47DD-8F8F-752285139738}"/>
+          </ac:spMkLst>
+        </pc:spChg>
+        <pc:spChg chg="del">
+          <ac:chgData name="Pien, Catarina@DWR" userId="5db4c969-fc4f-40b6-b3e1-e51eccd95ace" providerId="ADAL" clId="{43A55E6C-F28B-4968-8520-805C858CAD16}" dt="2022-05-13T22:06:27.248" v="46" actId="478"/>
+          <ac:spMkLst>
+            <pc:docMk/>
+            <pc:sldMk cId="736262757" sldId="259"/>
+            <ac:spMk id="32" creationId="{95FCEF25-C1EF-4F5C-A1BB-8EB6602D6FE8}"/>
+          </ac:spMkLst>
+        </pc:spChg>
+        <pc:spChg chg="mod">
+          <ac:chgData name="Pien, Catarina@DWR" userId="5db4c969-fc4f-40b6-b3e1-e51eccd95ace" providerId="ADAL" clId="{43A55E6C-F28B-4968-8520-805C858CAD16}" dt="2022-05-13T22:01:01.278" v="42" actId="1076"/>
+          <ac:spMkLst>
+            <pc:docMk/>
+            <pc:sldMk cId="736262757" sldId="259"/>
+            <ac:spMk id="35" creationId="{7B0EBE7A-6586-4A21-AAB2-94BCAFFD70C2}"/>
+          </ac:spMkLst>
+        </pc:spChg>
+        <pc:spChg chg="mod">
+          <ac:chgData name="Pien, Catarina@DWR" userId="5db4c969-fc4f-40b6-b3e1-e51eccd95ace" providerId="ADAL" clId="{43A55E6C-F28B-4968-8520-805C858CAD16}" dt="2022-05-13T22:01:04.538" v="43" actId="1076"/>
+          <ac:spMkLst>
+            <pc:docMk/>
+            <pc:sldMk cId="736262757" sldId="259"/>
+            <ac:spMk id="44" creationId="{466261AF-1C7E-4A63-8F71-5CB2A2111E24}"/>
+          </ac:spMkLst>
+        </pc:spChg>
+        <pc:cxnChg chg="mod">
+          <ac:chgData name="Pien, Catarina@DWR" userId="5db4c969-fc4f-40b6-b3e1-e51eccd95ace" providerId="ADAL" clId="{43A55E6C-F28B-4968-8520-805C858CAD16}" dt="2022-05-13T22:00:51.878" v="39" actId="14100"/>
+          <ac:cxnSpMkLst>
+            <pc:docMk/>
+            <pc:sldMk cId="736262757" sldId="259"/>
+            <ac:cxnSpMk id="12" creationId="{C70DADA9-7B8D-4692-B1DB-D805FA0BE44C}"/>
+          </ac:cxnSpMkLst>
+        </pc:cxnChg>
+        <pc:cxnChg chg="mod">
+          <ac:chgData name="Pien, Catarina@DWR" userId="5db4c969-fc4f-40b6-b3e1-e51eccd95ace" providerId="ADAL" clId="{43A55E6C-F28B-4968-8520-805C858CAD16}" dt="2022-05-13T22:01:12.086" v="44" actId="14100"/>
+          <ac:cxnSpMkLst>
+            <pc:docMk/>
+            <pc:sldMk cId="736262757" sldId="259"/>
+            <ac:cxnSpMk id="13" creationId="{D552A8EF-A234-4BF2-81A7-6E0DDC36EBE4}"/>
+          </ac:cxnSpMkLst>
+        </pc:cxnChg>
+        <pc:cxnChg chg="del">
+          <ac:chgData name="Pien, Catarina@DWR" userId="5db4c969-fc4f-40b6-b3e1-e51eccd95ace" providerId="ADAL" clId="{43A55E6C-F28B-4968-8520-805C858CAD16}" dt="2022-05-13T22:06:28.327" v="47" actId="478"/>
+          <ac:cxnSpMkLst>
+            <pc:docMk/>
+            <pc:sldMk cId="736262757" sldId="259"/>
+            <ac:cxnSpMk id="33" creationId="{B72C4865-3A67-47E2-9F0B-69309502644A}"/>
+          </ac:cxnSpMkLst>
+        </pc:cxnChg>
+        <pc:cxnChg chg="add mod">
+          <ac:chgData name="Pien, Catarina@DWR" userId="5db4c969-fc4f-40b6-b3e1-e51eccd95ace" providerId="ADAL" clId="{43A55E6C-F28B-4968-8520-805C858CAD16}" dt="2022-05-13T22:00:56.762" v="41" actId="14100"/>
+          <ac:cxnSpMkLst>
+            <pc:docMk/>
+            <pc:sldMk cId="736262757" sldId="259"/>
+            <ac:cxnSpMk id="37" creationId="{4DE5B6F2-67DF-4C9F-B345-02E6E9D82A35}"/>
+          </ac:cxnSpMkLst>
+        </pc:cxnChg>
+        <pc:cxnChg chg="mod">
+          <ac:chgData name="Pien, Catarina@DWR" userId="5db4c969-fc4f-40b6-b3e1-e51eccd95ace" providerId="ADAL" clId="{43A55E6C-F28B-4968-8520-805C858CAD16}" dt="2022-05-13T22:01:14.439" v="45" actId="14100"/>
+          <ac:cxnSpMkLst>
+            <pc:docMk/>
+            <pc:sldMk cId="736262757" sldId="259"/>
+            <ac:cxnSpMk id="38" creationId="{1BAB016B-F7BC-40AC-8CED-1CACD3696697}"/>
+          </ac:cxnSpMkLst>
+        </pc:cxnChg>
+        <pc:cxnChg chg="add mod">
+          <ac:chgData name="Pien, Catarina@DWR" userId="5db4c969-fc4f-40b6-b3e1-e51eccd95ace" providerId="ADAL" clId="{43A55E6C-F28B-4968-8520-805C858CAD16}" dt="2022-05-13T22:00:38.589" v="35" actId="14100"/>
+          <ac:cxnSpMkLst>
+            <pc:docMk/>
+            <pc:sldMk cId="736262757" sldId="259"/>
+            <ac:cxnSpMk id="40" creationId="{645DF6A2-7FB9-46CD-ABD5-75E6A99BAE3F}"/>
+          </ac:cxnSpMkLst>
+        </pc:cxnChg>
+      </pc:sldChg>
+    </pc:docChg>
+  </pc:docChgLst>
   <pc:docChgLst>
     <pc:chgData name="Pien, Catarina@DWR" userId="5db4c969-fc4f-40b6-b3e1-e51eccd95ace" providerId="ADAL" clId="{E56263F8-4D05-44B3-8DE3-268520B9998C}"/>
     <pc:docChg chg="modSld">
@@ -294,7 +673,7 @@
           <a:p>
             <a:fld id="{C61F7A2E-D841-4ECC-982A-4DE5BA39572F}" type="datetimeFigureOut">
               <a:rPr lang="en-US" smtClean="0"/>
-              <a:t>4/19/2022</a:t>
+              <a:t>5/23/2022</a:t>
             </a:fld>
             <a:endParaRPr lang="en-US"/>
           </a:p>
@@ -492,7 +871,7 @@
           <a:p>
             <a:fld id="{C61F7A2E-D841-4ECC-982A-4DE5BA39572F}" type="datetimeFigureOut">
               <a:rPr lang="en-US" smtClean="0"/>
-              <a:t>4/19/2022</a:t>
+              <a:t>5/23/2022</a:t>
             </a:fld>
             <a:endParaRPr lang="en-US"/>
           </a:p>
@@ -700,7 +1079,7 @@
           <a:p>
             <a:fld id="{C61F7A2E-D841-4ECC-982A-4DE5BA39572F}" type="datetimeFigureOut">
               <a:rPr lang="en-US" smtClean="0"/>
-              <a:t>4/19/2022</a:t>
+              <a:t>5/23/2022</a:t>
             </a:fld>
             <a:endParaRPr lang="en-US"/>
           </a:p>
@@ -898,7 +1277,7 @@
           <a:p>
             <a:fld id="{C61F7A2E-D841-4ECC-982A-4DE5BA39572F}" type="datetimeFigureOut">
               <a:rPr lang="en-US" smtClean="0"/>
-              <a:t>4/19/2022</a:t>
+              <a:t>5/23/2022</a:t>
             </a:fld>
             <a:endParaRPr lang="en-US"/>
           </a:p>
@@ -1173,7 +1552,7 @@
           <a:p>
             <a:fld id="{C61F7A2E-D841-4ECC-982A-4DE5BA39572F}" type="datetimeFigureOut">
               <a:rPr lang="en-US" smtClean="0"/>
-              <a:t>4/19/2022</a:t>
+              <a:t>5/23/2022</a:t>
             </a:fld>
             <a:endParaRPr lang="en-US"/>
           </a:p>
@@ -1438,7 +1817,7 @@
           <a:p>
             <a:fld id="{C61F7A2E-D841-4ECC-982A-4DE5BA39572F}" type="datetimeFigureOut">
               <a:rPr lang="en-US" smtClean="0"/>
-              <a:t>4/19/2022</a:t>
+              <a:t>5/23/2022</a:t>
             </a:fld>
             <a:endParaRPr lang="en-US"/>
           </a:p>
@@ -1850,7 +2229,7 @@
           <a:p>
             <a:fld id="{C61F7A2E-D841-4ECC-982A-4DE5BA39572F}" type="datetimeFigureOut">
               <a:rPr lang="en-US" smtClean="0"/>
-              <a:t>4/19/2022</a:t>
+              <a:t>5/23/2022</a:t>
             </a:fld>
             <a:endParaRPr lang="en-US"/>
           </a:p>
@@ -1991,7 +2370,7 @@
           <a:p>
             <a:fld id="{C61F7A2E-D841-4ECC-982A-4DE5BA39572F}" type="datetimeFigureOut">
               <a:rPr lang="en-US" smtClean="0"/>
-              <a:t>4/19/2022</a:t>
+              <a:t>5/23/2022</a:t>
             </a:fld>
             <a:endParaRPr lang="en-US"/>
           </a:p>
@@ -2104,7 +2483,7 @@
           <a:p>
             <a:fld id="{C61F7A2E-D841-4ECC-982A-4DE5BA39572F}" type="datetimeFigureOut">
               <a:rPr lang="en-US" smtClean="0"/>
-              <a:t>4/19/2022</a:t>
+              <a:t>5/23/2022</a:t>
             </a:fld>
             <a:endParaRPr lang="en-US"/>
           </a:p>
@@ -2415,7 +2794,7 @@
           <a:p>
             <a:fld id="{C61F7A2E-D841-4ECC-982A-4DE5BA39572F}" type="datetimeFigureOut">
               <a:rPr lang="en-US" smtClean="0"/>
-              <a:t>4/19/2022</a:t>
+              <a:t>5/23/2022</a:t>
             </a:fld>
             <a:endParaRPr lang="en-US"/>
           </a:p>
@@ -2703,7 +3082,7 @@
           <a:p>
             <a:fld id="{C61F7A2E-D841-4ECC-982A-4DE5BA39572F}" type="datetimeFigureOut">
               <a:rPr lang="en-US" smtClean="0"/>
-              <a:t>4/19/2022</a:t>
+              <a:t>5/23/2022</a:t>
             </a:fld>
             <a:endParaRPr lang="en-US"/>
           </a:p>
@@ -2944,7 +3323,7 @@
           <a:p>
             <a:fld id="{C61F7A2E-D841-4ECC-982A-4DE5BA39572F}" type="datetimeFigureOut">
               <a:rPr lang="en-US" smtClean="0"/>
-              <a:t>4/19/2022</a:t>
+              <a:t>5/23/2022</a:t>
             </a:fld>
             <a:endParaRPr lang="en-US"/>
           </a:p>
@@ -3382,7 +3761,7 @@
           <a:bodyPr/>
           <a:lstStyle/>
           <a:p>
-            <a:endParaRPr lang="en-US"/>
+            <a:endParaRPr lang="en-US" dirty="0"/>
           </a:p>
         </p:txBody>
       </p:sp>
@@ -3456,13 +3835,13 @@
           <p:nvPr>
             <p:extLst>
               <p:ext uri="{D42A27DB-BD31-4B8C-83A1-F6EECF244321}">
-                <p14:modId xmlns:p14="http://schemas.microsoft.com/office/powerpoint/2010/main" val="933112229"/>
+                <p14:modId xmlns:p14="http://schemas.microsoft.com/office/powerpoint/2010/main" val="2979441134"/>
               </p:ext>
             </p:extLst>
           </p:nvPr>
         </p:nvGraphicFramePr>
         <p:xfrm>
-          <a:off x="280721" y="1175899"/>
+          <a:off x="294685" y="546678"/>
           <a:ext cx="1527476" cy="2743200"/>
         </p:xfrm>
         <a:graphic>
@@ -4082,14 +4461,14 @@
           <p:nvPr>
             <p:extLst>
               <p:ext uri="{D42A27DB-BD31-4B8C-83A1-F6EECF244321}">
-                <p14:modId xmlns:p14="http://schemas.microsoft.com/office/powerpoint/2010/main" val="813519563"/>
+                <p14:modId xmlns:p14="http://schemas.microsoft.com/office/powerpoint/2010/main" val="124101649"/>
               </p:ext>
             </p:extLst>
           </p:nvPr>
         </p:nvGraphicFramePr>
         <p:xfrm>
-          <a:off x="2155184" y="929002"/>
-          <a:ext cx="1946246" cy="5760720"/>
+          <a:off x="2158560" y="295417"/>
+          <a:ext cx="1946246" cy="6477000"/>
         </p:xfrm>
         <a:graphic>
           <a:graphicData uri="http://schemas.openxmlformats.org/drawingml/2006/table">
@@ -4113,7 +4492,7 @@
                     <a:lstStyle/>
                     <a:p>
                       <a:r>
-                        <a:rPr lang="en-US" sz="1200" b="1" i="0" dirty="0"/>
+                        <a:rPr lang="en-US" sz="1100" b="1" i="0" dirty="0"/>
                         <a:t>event</a:t>
                       </a:r>
                     </a:p>
@@ -4170,10 +4549,13 @@
                     <a:lstStyle/>
                     <a:p>
                       <a:r>
-                        <a:rPr lang="en-US" sz="1200" i="1" dirty="0" err="1"/>
+                        <a:rPr lang="en-US" sz="1100" i="1" dirty="0" err="1"/>
                         <a:t>EventID</a:t>
                       </a:r>
-                      <a:endParaRPr lang="en-US" sz="1200" i="1" dirty="0"/>
+                      <a:r>
+                        <a:rPr lang="en-US" sz="1100" i="1" dirty="0"/>
+                        <a:t> (1:n)</a:t>
+                      </a:r>
                     </a:p>
                   </a:txBody>
                   <a:tcPr>
@@ -4234,10 +4616,10 @@
                     <a:lstStyle/>
                     <a:p>
                       <a:r>
-                        <a:rPr lang="en-US" sz="1200" dirty="0" err="1"/>
+                        <a:rPr lang="en-US" sz="1100" dirty="0" err="1"/>
                         <a:t>StationCode</a:t>
                       </a:r>
-                      <a:endParaRPr lang="en-US" sz="1200" dirty="0"/>
+                      <a:endParaRPr lang="en-US" sz="1100" dirty="0"/>
                     </a:p>
                   </a:txBody>
                   <a:tcPr>
@@ -4292,7 +4674,7 @@
                     <a:lstStyle/>
                     <a:p>
                       <a:r>
-                        <a:rPr lang="en-US" sz="1200" dirty="0"/>
+                        <a:rPr lang="en-US" sz="1100" dirty="0"/>
                         <a:t>Datetime</a:t>
                       </a:r>
                     </a:p>
@@ -4349,10 +4731,10 @@
                     <a:lstStyle/>
                     <a:p>
                       <a:r>
-                        <a:rPr lang="en-US" sz="1200" dirty="0" err="1"/>
+                        <a:rPr lang="en-US" sz="1100" dirty="0" err="1"/>
                         <a:t>SampleDate</a:t>
                       </a:r>
-                      <a:endParaRPr lang="en-US" sz="1200" dirty="0"/>
+                      <a:endParaRPr lang="en-US" sz="1100" dirty="0"/>
                     </a:p>
                   </a:txBody>
                   <a:tcPr>
@@ -4407,10 +4789,10 @@
                     <a:lstStyle/>
                     <a:p>
                       <a:r>
-                        <a:rPr lang="en-US" sz="1200" dirty="0" err="1"/>
+                        <a:rPr lang="en-US" sz="1100" dirty="0" err="1"/>
                         <a:t>WaterTemp</a:t>
                       </a:r>
-                      <a:endParaRPr lang="en-US" sz="1200" dirty="0"/>
+                      <a:endParaRPr lang="en-US" sz="1100" dirty="0"/>
                     </a:p>
                   </a:txBody>
                   <a:tcPr>
@@ -4465,10 +4847,10 @@
                     <a:lstStyle/>
                     <a:p>
                       <a:r>
-                        <a:rPr lang="en-US" sz="1200" dirty="0" err="1"/>
+                        <a:rPr lang="en-US" sz="1100" dirty="0" err="1"/>
                         <a:t>SpecificConductance</a:t>
                       </a:r>
-                      <a:endParaRPr lang="en-US" sz="1200" dirty="0"/>
+                      <a:endParaRPr lang="en-US" sz="1100" dirty="0"/>
                     </a:p>
                   </a:txBody>
                   <a:tcPr>
@@ -4523,7 +4905,7 @@
                     <a:lstStyle/>
                     <a:p>
                       <a:r>
-                        <a:rPr lang="en-US" sz="1200" dirty="0"/>
+                        <a:rPr lang="en-US" sz="1100" dirty="0"/>
                         <a:t>Conductivity</a:t>
                       </a:r>
                     </a:p>
@@ -4580,7 +4962,7 @@
                     <a:lstStyle/>
                     <a:p>
                       <a:r>
-                        <a:rPr lang="en-US" sz="1200" dirty="0"/>
+                        <a:rPr lang="en-US" sz="1100" dirty="0"/>
                         <a:t>Turbidity</a:t>
                       </a:r>
                     </a:p>
@@ -4637,7 +5019,7 @@
                     <a:lstStyle/>
                     <a:p>
                       <a:r>
-                        <a:rPr lang="en-US" sz="1200" dirty="0"/>
+                        <a:rPr lang="en-US" sz="1100" dirty="0"/>
                         <a:t>DO</a:t>
                       </a:r>
                     </a:p>
@@ -4694,7 +5076,7 @@
                     <a:lstStyle/>
                     <a:p>
                       <a:r>
-                        <a:rPr lang="en-US" sz="1200" dirty="0"/>
+                        <a:rPr lang="en-US" sz="1100" dirty="0"/>
                         <a:t>pH</a:t>
                       </a:r>
                     </a:p>
@@ -4751,7 +5133,7 @@
                     <a:lstStyle/>
                     <a:p>
                       <a:r>
-                        <a:rPr lang="en-US" sz="1200" dirty="0"/>
+                        <a:rPr lang="en-US" sz="1100" dirty="0"/>
                         <a:t>Secchi</a:t>
                       </a:r>
                     </a:p>
@@ -4808,7 +5190,7 @@
                     <a:lstStyle/>
                     <a:p>
                       <a:r>
-                        <a:rPr lang="en-US" sz="1200" dirty="0"/>
+                        <a:rPr lang="en-US" sz="1100" dirty="0"/>
                         <a:t>Tide</a:t>
                       </a:r>
                     </a:p>
@@ -4865,10 +5247,10 @@
                     <a:lstStyle/>
                     <a:p>
                       <a:r>
-                        <a:rPr lang="en-US" sz="1200" dirty="0" err="1"/>
+                        <a:rPr lang="en-US" sz="1100" dirty="0" err="1"/>
                         <a:t>WeatherCode</a:t>
                       </a:r>
-                      <a:endParaRPr lang="en-US" sz="1200" dirty="0"/>
+                      <a:endParaRPr lang="en-US" sz="1100" dirty="0"/>
                     </a:p>
                   </a:txBody>
                   <a:tcPr>
@@ -4923,10 +5305,10 @@
                     <a:lstStyle/>
                     <a:p>
                       <a:r>
-                        <a:rPr lang="en-US" sz="1200" dirty="0" err="1"/>
+                        <a:rPr lang="en-US" sz="1100" dirty="0" err="1"/>
                         <a:t>VegetationRank</a:t>
                       </a:r>
-                      <a:endParaRPr lang="en-US" sz="1200" dirty="0"/>
+                      <a:endParaRPr lang="en-US" sz="1100" dirty="0"/>
                     </a:p>
                   </a:txBody>
                   <a:tcPr>
@@ -4981,10 +5363,126 @@
                     <a:lstStyle/>
                     <a:p>
                       <a:r>
-                        <a:rPr lang="en-US" sz="1200" dirty="0" err="1"/>
+                        <a:rPr lang="en-US" sz="1100" dirty="0" err="1"/>
+                        <a:t>SubstrateCode</a:t>
+                      </a:r>
+                      <a:endParaRPr lang="en-US" sz="1100" dirty="0"/>
+                    </a:p>
+                  </a:txBody>
+                  <a:tcPr>
+                    <a:lnL w="12700" cap="flat" cmpd="sng" algn="ctr">
+                      <a:solidFill>
+                        <a:schemeClr val="tx1"/>
+                      </a:solidFill>
+                      <a:prstDash val="solid"/>
+                      <a:round/>
+                      <a:headEnd type="none" w="med" len="med"/>
+                      <a:tailEnd type="none" w="med" len="med"/>
+                    </a:lnL>
+                    <a:lnR w="12700" cap="flat" cmpd="sng" algn="ctr">
+                      <a:solidFill>
+                        <a:schemeClr val="tx1"/>
+                      </a:solidFill>
+                      <a:prstDash val="solid"/>
+                      <a:round/>
+                      <a:headEnd type="none" w="med" len="med"/>
+                      <a:tailEnd type="none" w="med" len="med"/>
+                    </a:lnR>
+                    <a:lnT w="12700" cap="flat" cmpd="sng" algn="ctr">
+                      <a:solidFill>
+                        <a:schemeClr val="tx1"/>
+                      </a:solidFill>
+                      <a:prstDash val="solid"/>
+                      <a:round/>
+                      <a:headEnd type="none" w="med" len="med"/>
+                      <a:tailEnd type="none" w="med" len="med"/>
+                    </a:lnT>
+                    <a:lnB w="12700" cap="flat" cmpd="sng" algn="ctr">
+                      <a:solidFill>
+                        <a:schemeClr val="tx1"/>
+                      </a:solidFill>
+                      <a:prstDash val="solid"/>
+                      <a:round/>
+                      <a:headEnd type="none" w="med" len="med"/>
+                      <a:tailEnd type="none" w="med" len="med"/>
+                    </a:lnB>
+                  </a:tcPr>
+                </a:tc>
+                <a:extLst>
+                  <a:ext uri="{0D108BD9-81ED-4DB2-BD59-A6C34878D82A}">
+                    <a16:rowId xmlns:a16="http://schemas.microsoft.com/office/drawing/2014/main" val="1892230262"/>
+                  </a:ext>
+                </a:extLst>
+              </a:tr>
+              <a:tr h="241407">
+                <a:tc>
+                  <a:txBody>
+                    <a:bodyPr/>
+                    <a:lstStyle/>
+                    <a:p>
+                      <a:r>
+                        <a:rPr lang="en-US" sz="1100" dirty="0" err="1"/>
+                        <a:t>HabitatType</a:t>
+                      </a:r>
+                      <a:endParaRPr lang="en-US" sz="1100" dirty="0"/>
+                    </a:p>
+                  </a:txBody>
+                  <a:tcPr>
+                    <a:lnL w="12700" cap="flat" cmpd="sng" algn="ctr">
+                      <a:solidFill>
+                        <a:schemeClr val="tx1"/>
+                      </a:solidFill>
+                      <a:prstDash val="solid"/>
+                      <a:round/>
+                      <a:headEnd type="none" w="med" len="med"/>
+                      <a:tailEnd type="none" w="med" len="med"/>
+                    </a:lnL>
+                    <a:lnR w="12700" cap="flat" cmpd="sng" algn="ctr">
+                      <a:solidFill>
+                        <a:schemeClr val="tx1"/>
+                      </a:solidFill>
+                      <a:prstDash val="solid"/>
+                      <a:round/>
+                      <a:headEnd type="none" w="med" len="med"/>
+                      <a:tailEnd type="none" w="med" len="med"/>
+                    </a:lnR>
+                    <a:lnT w="12700" cap="flat" cmpd="sng" algn="ctr">
+                      <a:solidFill>
+                        <a:schemeClr val="tx1"/>
+                      </a:solidFill>
+                      <a:prstDash val="solid"/>
+                      <a:round/>
+                      <a:headEnd type="none" w="med" len="med"/>
+                      <a:tailEnd type="none" w="med" len="med"/>
+                    </a:lnT>
+                    <a:lnB w="12700" cap="flat" cmpd="sng" algn="ctr">
+                      <a:solidFill>
+                        <a:schemeClr val="tx1"/>
+                      </a:solidFill>
+                      <a:prstDash val="solid"/>
+                      <a:round/>
+                      <a:headEnd type="none" w="med" len="med"/>
+                      <a:tailEnd type="none" w="med" len="med"/>
+                    </a:lnB>
+                  </a:tcPr>
+                </a:tc>
+                <a:extLst>
+                  <a:ext uri="{0D108BD9-81ED-4DB2-BD59-A6C34878D82A}">
+                    <a16:rowId xmlns:a16="http://schemas.microsoft.com/office/drawing/2014/main" val="3443337136"/>
+                  </a:ext>
+                </a:extLst>
+              </a:tr>
+              <a:tr h="241407">
+                <a:tc>
+                  <a:txBody>
+                    <a:bodyPr/>
+                    <a:lstStyle/>
+                    <a:p>
+                      <a:r>
+                        <a:rPr lang="en-US" sz="1100" dirty="0" err="1"/>
                         <a:t>MicrocystisRank</a:t>
                       </a:r>
-                      <a:endParaRPr lang="en-US" sz="1200" dirty="0"/>
+                      <a:endParaRPr lang="en-US" sz="1100" dirty="0"/>
                     </a:p>
                   </a:txBody>
                   <a:tcPr>
@@ -5039,10 +5537,10 @@
                     <a:lstStyle/>
                     <a:p>
                       <a:r>
-                        <a:rPr lang="en-US" sz="1200" dirty="0" err="1"/>
+                        <a:rPr lang="en-US" sz="1100" dirty="0" err="1"/>
                         <a:t>MethodCode</a:t>
                       </a:r>
-                      <a:endParaRPr lang="en-US" sz="1200" dirty="0"/>
+                      <a:endParaRPr lang="en-US" sz="1100" dirty="0"/>
                     </a:p>
                   </a:txBody>
                   <a:tcPr>
@@ -5097,9 +5595,10 @@
                     <a:lstStyle/>
                     <a:p>
                       <a:r>
-                        <a:rPr lang="en-US" sz="1200" dirty="0"/>
-                        <a:t>Gear</a:t>
+                        <a:rPr lang="en-US" sz="1100" dirty="0" err="1"/>
+                        <a:t>GearCode</a:t>
                       </a:r>
+                      <a:endParaRPr lang="en-US" sz="1100" dirty="0"/>
                     </a:p>
                   </a:txBody>
                   <a:tcPr>
@@ -5154,10 +5653,10 @@
                     <a:lstStyle/>
                     <a:p>
                       <a:r>
-                        <a:rPr lang="en-US" sz="1200" dirty="0" err="1"/>
+                        <a:rPr lang="en-US" sz="1100" dirty="0" err="1"/>
                         <a:t>GearConditionCode</a:t>
                       </a:r>
-                      <a:endParaRPr lang="en-US" sz="1200" dirty="0"/>
+                      <a:endParaRPr lang="en-US" sz="1100" dirty="0"/>
                     </a:p>
                   </a:txBody>
                   <a:tcPr>
@@ -5212,10 +5711,10 @@
                     <a:lstStyle/>
                     <a:p>
                       <a:r>
-                        <a:rPr lang="en-US" sz="1200" dirty="0" err="1"/>
-                        <a:t>SamplingAltered</a:t>
+                        <a:rPr lang="en-US" sz="1100" dirty="0" err="1"/>
+                        <a:t>SampleAltered</a:t>
                       </a:r>
-                      <a:endParaRPr lang="en-US" sz="1200" dirty="0"/>
+                      <a:endParaRPr lang="en-US" sz="1100" dirty="0"/>
                     </a:p>
                   </a:txBody>
                   <a:tcPr>
@@ -5270,10 +5769,10 @@
                     <a:lstStyle/>
                     <a:p>
                       <a:r>
-                        <a:rPr lang="en-US" sz="1200" dirty="0" err="1"/>
+                        <a:rPr lang="en-US" sz="1100" dirty="0" err="1"/>
                         <a:t>FieldComments</a:t>
                       </a:r>
-                      <a:endParaRPr lang="en-US" sz="1200" dirty="0"/>
+                      <a:endParaRPr lang="en-US" sz="1100" dirty="0"/>
                     </a:p>
                   </a:txBody>
                   <a:tcPr>
@@ -5318,6 +5817,122 @@
                 <a:extLst>
                   <a:ext uri="{0D108BD9-81ED-4DB2-BD59-A6C34878D82A}">
                     <a16:rowId xmlns:a16="http://schemas.microsoft.com/office/drawing/2014/main" val="3336569305"/>
+                  </a:ext>
+                </a:extLst>
+              </a:tr>
+              <a:tr h="241407">
+                <a:tc>
+                  <a:txBody>
+                    <a:bodyPr/>
+                    <a:lstStyle/>
+                    <a:p>
+                      <a:r>
+                        <a:rPr lang="en-US" sz="1100" dirty="0" err="1"/>
+                        <a:t>Flag_WQ</a:t>
+                      </a:r>
+                      <a:endParaRPr lang="en-US" sz="1100" dirty="0"/>
+                    </a:p>
+                  </a:txBody>
+                  <a:tcPr>
+                    <a:lnL w="12700" cap="flat" cmpd="sng" algn="ctr">
+                      <a:solidFill>
+                        <a:schemeClr val="tx1"/>
+                      </a:solidFill>
+                      <a:prstDash val="solid"/>
+                      <a:round/>
+                      <a:headEnd type="none" w="med" len="med"/>
+                      <a:tailEnd type="none" w="med" len="med"/>
+                    </a:lnL>
+                    <a:lnR w="12700" cap="flat" cmpd="sng" algn="ctr">
+                      <a:solidFill>
+                        <a:schemeClr val="tx1"/>
+                      </a:solidFill>
+                      <a:prstDash val="solid"/>
+                      <a:round/>
+                      <a:headEnd type="none" w="med" len="med"/>
+                      <a:tailEnd type="none" w="med" len="med"/>
+                    </a:lnR>
+                    <a:lnT w="12700" cap="flat" cmpd="sng" algn="ctr">
+                      <a:solidFill>
+                        <a:schemeClr val="tx1"/>
+                      </a:solidFill>
+                      <a:prstDash val="solid"/>
+                      <a:round/>
+                      <a:headEnd type="none" w="med" len="med"/>
+                      <a:tailEnd type="none" w="med" len="med"/>
+                    </a:lnT>
+                    <a:lnB w="12700" cap="flat" cmpd="sng" algn="ctr">
+                      <a:solidFill>
+                        <a:schemeClr val="tx1"/>
+                      </a:solidFill>
+                      <a:prstDash val="solid"/>
+                      <a:round/>
+                      <a:headEnd type="none" w="med" len="med"/>
+                      <a:tailEnd type="none" w="med" len="med"/>
+                    </a:lnB>
+                  </a:tcPr>
+                </a:tc>
+                <a:extLst>
+                  <a:ext uri="{0D108BD9-81ED-4DB2-BD59-A6C34878D82A}">
+                    <a16:rowId xmlns:a16="http://schemas.microsoft.com/office/drawing/2014/main" val="3877915241"/>
+                  </a:ext>
+                </a:extLst>
+              </a:tr>
+              <a:tr h="241407">
+                <a:tc>
+                  <a:txBody>
+                    <a:bodyPr/>
+                    <a:lstStyle/>
+                    <a:p>
+                      <a:r>
+                        <a:rPr lang="en-US" sz="1100" dirty="0" err="1"/>
+                        <a:t>Comment_WQ</a:t>
+                      </a:r>
+                      <a:endParaRPr lang="en-US" sz="1100" dirty="0"/>
+                    </a:p>
+                  </a:txBody>
+                  <a:tcPr>
+                    <a:lnL w="12700" cap="flat" cmpd="sng" algn="ctr">
+                      <a:solidFill>
+                        <a:schemeClr val="tx1"/>
+                      </a:solidFill>
+                      <a:prstDash val="solid"/>
+                      <a:round/>
+                      <a:headEnd type="none" w="med" len="med"/>
+                      <a:tailEnd type="none" w="med" len="med"/>
+                    </a:lnL>
+                    <a:lnR w="12700" cap="flat" cmpd="sng" algn="ctr">
+                      <a:solidFill>
+                        <a:schemeClr val="tx1"/>
+                      </a:solidFill>
+                      <a:prstDash val="solid"/>
+                      <a:round/>
+                      <a:headEnd type="none" w="med" len="med"/>
+                      <a:tailEnd type="none" w="med" len="med"/>
+                    </a:lnR>
+                    <a:lnT w="12700" cap="flat" cmpd="sng" algn="ctr">
+                      <a:solidFill>
+                        <a:schemeClr val="tx1"/>
+                      </a:solidFill>
+                      <a:prstDash val="solid"/>
+                      <a:round/>
+                      <a:headEnd type="none" w="med" len="med"/>
+                      <a:tailEnd type="none" w="med" len="med"/>
+                    </a:lnT>
+                    <a:lnB w="12700" cap="flat" cmpd="sng" algn="ctr">
+                      <a:solidFill>
+                        <a:schemeClr val="tx1"/>
+                      </a:solidFill>
+                      <a:prstDash val="solid"/>
+                      <a:round/>
+                      <a:headEnd type="none" w="med" len="med"/>
+                      <a:tailEnd type="none" w="med" len="med"/>
+                    </a:lnB>
+                  </a:tcPr>
+                </a:tc>
+                <a:extLst>
+                  <a:ext uri="{0D108BD9-81ED-4DB2-BD59-A6C34878D82A}">
+                    <a16:rowId xmlns:a16="http://schemas.microsoft.com/office/drawing/2014/main" val="1940256758"/>
                   </a:ext>
                 </a:extLst>
               </a:tr>
@@ -5340,14 +5955,14 @@
           <p:nvPr>
             <p:extLst>
               <p:ext uri="{D42A27DB-BD31-4B8C-83A1-F6EECF244321}">
-                <p14:modId xmlns:p14="http://schemas.microsoft.com/office/powerpoint/2010/main" val="2887700723"/>
+                <p14:modId xmlns:p14="http://schemas.microsoft.com/office/powerpoint/2010/main" val="210827988"/>
               </p:ext>
             </p:extLst>
           </p:nvPr>
         </p:nvGraphicFramePr>
         <p:xfrm>
-          <a:off x="5453983" y="417504"/>
-          <a:ext cx="1144165" cy="1371600"/>
+          <a:off x="5431187" y="563456"/>
+          <a:ext cx="1144165" cy="1737360"/>
         </p:xfrm>
         <a:graphic>
           <a:graphicData uri="http://schemas.openxmlformats.org/drawingml/2006/table">
@@ -5371,9 +5986,10 @@
                     <a:lstStyle/>
                     <a:p>
                       <a:r>
-                        <a:rPr lang="en-US" sz="1200" b="1" i="0" dirty="0"/>
-                        <a:t>sample</a:t>
+                        <a:rPr lang="en-US" sz="1200" b="1" i="0" dirty="0" err="1"/>
+                        <a:t>total_catch</a:t>
                       </a:r>
+                      <a:endParaRPr lang="en-US" sz="1200" b="1" i="0" dirty="0"/>
                     </a:p>
                   </a:txBody>
                   <a:tcPr>
@@ -5431,7 +6047,10 @@
                         <a:rPr lang="en-US" sz="1200" i="1" dirty="0" err="1"/>
                         <a:t>SampleID</a:t>
                       </a:r>
-                      <a:endParaRPr lang="en-US" sz="1200" i="1" dirty="0"/>
+                      <a:r>
+                        <a:rPr lang="en-US" sz="1200" i="1" dirty="0"/>
+                        <a:t> (20091006_1000_PCS_BKS)</a:t>
+                      </a:r>
                     </a:p>
                   </a:txBody>
                   <a:tcPr>
@@ -5677,14 +6296,14 @@
           <p:nvPr>
             <p:extLst>
               <p:ext uri="{D42A27DB-BD31-4B8C-83A1-F6EECF244321}">
-                <p14:modId xmlns:p14="http://schemas.microsoft.com/office/powerpoint/2010/main" val="4082201740"/>
+                <p14:modId xmlns:p14="http://schemas.microsoft.com/office/powerpoint/2010/main" val="2853225273"/>
               </p:ext>
             </p:extLst>
           </p:nvPr>
         </p:nvGraphicFramePr>
         <p:xfrm>
           <a:off x="10584264" y="2732402"/>
-          <a:ext cx="1279321" cy="2468880"/>
+          <a:ext cx="1279321" cy="2834640"/>
         </p:xfrm>
         <a:graphic>
           <a:graphicData uri="http://schemas.openxmlformats.org/drawingml/2006/table">
@@ -5767,7 +6386,7 @@
                     <a:p>
                       <a:r>
                         <a:rPr lang="en-US" sz="1200" i="1" dirty="0" err="1"/>
-                        <a:t>FishTagID</a:t>
+                        <a:t>GeneticRowID</a:t>
                       </a:r>
                       <a:endParaRPr lang="en-US" sz="1200" i="1" dirty="0"/>
                     </a:p>
@@ -5809,11 +6428,72 @@
                       <a:headEnd type="none" w="med" len="med"/>
                       <a:tailEnd type="none" w="med" len="med"/>
                     </a:lnB>
+                    <a:solidFill>
+                      <a:srgbClr val="DDDDDD"/>
+                    </a:solidFill>
                   </a:tcPr>
                 </a:tc>
                 <a:extLst>
                   <a:ext uri="{0D108BD9-81ED-4DB2-BD59-A6C34878D82A}">
                     <a16:rowId xmlns:a16="http://schemas.microsoft.com/office/drawing/2014/main" val="430558698"/>
+                  </a:ext>
+                </a:extLst>
+              </a:tr>
+              <a:tr h="241407">
+                <a:tc>
+                  <a:txBody>
+                    <a:bodyPr/>
+                    <a:lstStyle/>
+                    <a:p>
+                      <a:r>
+                        <a:rPr lang="en-US" sz="1200" i="1" dirty="0" err="1"/>
+                        <a:t>FishGenID</a:t>
+                      </a:r>
+                      <a:endParaRPr lang="en-US" sz="1200" i="1" dirty="0"/>
+                    </a:p>
+                  </a:txBody>
+                  <a:tcPr>
+                    <a:lnL w="12700" cap="flat" cmpd="sng" algn="ctr">
+                      <a:solidFill>
+                        <a:schemeClr val="tx1"/>
+                      </a:solidFill>
+                      <a:prstDash val="solid"/>
+                      <a:round/>
+                      <a:headEnd type="none" w="med" len="med"/>
+                      <a:tailEnd type="none" w="med" len="med"/>
+                    </a:lnL>
+                    <a:lnR w="12700" cap="flat" cmpd="sng" algn="ctr">
+                      <a:solidFill>
+                        <a:schemeClr val="tx1"/>
+                      </a:solidFill>
+                      <a:prstDash val="solid"/>
+                      <a:round/>
+                      <a:headEnd type="none" w="med" len="med"/>
+                      <a:tailEnd type="none" w="med" len="med"/>
+                    </a:lnR>
+                    <a:lnT w="12700" cap="flat" cmpd="sng" algn="ctr">
+                      <a:solidFill>
+                        <a:schemeClr val="tx1"/>
+                      </a:solidFill>
+                      <a:prstDash val="solid"/>
+                      <a:round/>
+                      <a:headEnd type="none" w="med" len="med"/>
+                      <a:tailEnd type="none" w="med" len="med"/>
+                    </a:lnT>
+                    <a:lnB w="12700" cap="flat" cmpd="sng" algn="ctr">
+                      <a:solidFill>
+                        <a:schemeClr val="tx1"/>
+                      </a:solidFill>
+                      <a:prstDash val="solid"/>
+                      <a:round/>
+                      <a:headEnd type="none" w="med" len="med"/>
+                      <a:tailEnd type="none" w="med" len="med"/>
+                    </a:lnB>
+                  </a:tcPr>
+                </a:tc>
+                <a:extLst>
+                  <a:ext uri="{0D108BD9-81ED-4DB2-BD59-A6C34878D82A}">
+                    <a16:rowId xmlns:a16="http://schemas.microsoft.com/office/drawing/2014/main" val="1362427034"/>
                   </a:ext>
                 </a:extLst>
               </a:tr>
@@ -6053,9 +6733,10 @@
                     <a:lstStyle/>
                     <a:p>
                       <a:r>
-                        <a:rPr lang="en-US" sz="1200" dirty="0"/>
-                        <a:t>Lab</a:t>
+                        <a:rPr lang="en-US" sz="1200" dirty="0" err="1"/>
+                        <a:t>Comments_Salmon</a:t>
                       </a:r>
+                      <a:endParaRPr lang="en-US" sz="1200" dirty="0"/>
                     </a:p>
                   </a:txBody>
                   <a:tcPr>
@@ -6099,7 +6780,7 @@
                 </a:tc>
                 <a:extLst>
                   <a:ext uri="{0D108BD9-81ED-4DB2-BD59-A6C34878D82A}">
-                    <a16:rowId xmlns:a16="http://schemas.microsoft.com/office/drawing/2014/main" val="2987058851"/>
+                    <a16:rowId xmlns:a16="http://schemas.microsoft.com/office/drawing/2014/main" val="2091497414"/>
                   </a:ext>
                 </a:extLst>
               </a:tr>
@@ -6111,7 +6792,7 @@
                     <a:p>
                       <a:r>
                         <a:rPr lang="en-US" sz="1200" dirty="0" err="1"/>
-                        <a:t>GeneticTest</a:t>
+                        <a:t>Comments_SalmonDataUsage</a:t>
                       </a:r>
                       <a:endParaRPr lang="en-US" sz="1200" dirty="0"/>
                     </a:p>
@@ -6157,65 +6838,7 @@
                 </a:tc>
                 <a:extLst>
                   <a:ext uri="{0D108BD9-81ED-4DB2-BD59-A6C34878D82A}">
-                    <a16:rowId xmlns:a16="http://schemas.microsoft.com/office/drawing/2014/main" val="36532440"/>
-                  </a:ext>
-                </a:extLst>
-              </a:tr>
-              <a:tr h="241407">
-                <a:tc>
-                  <a:txBody>
-                    <a:bodyPr/>
-                    <a:lstStyle/>
-                    <a:p>
-                      <a:r>
-                        <a:rPr lang="en-US" sz="1200" dirty="0" err="1"/>
-                        <a:t>SalmComments</a:t>
-                      </a:r>
-                      <a:endParaRPr lang="en-US" sz="1200" dirty="0"/>
-                    </a:p>
-                  </a:txBody>
-                  <a:tcPr>
-                    <a:lnL w="12700" cap="flat" cmpd="sng" algn="ctr">
-                      <a:solidFill>
-                        <a:schemeClr val="tx1"/>
-                      </a:solidFill>
-                      <a:prstDash val="solid"/>
-                      <a:round/>
-                      <a:headEnd type="none" w="med" len="med"/>
-                      <a:tailEnd type="none" w="med" len="med"/>
-                    </a:lnL>
-                    <a:lnR w="12700" cap="flat" cmpd="sng" algn="ctr">
-                      <a:solidFill>
-                        <a:schemeClr val="tx1"/>
-                      </a:solidFill>
-                      <a:prstDash val="solid"/>
-                      <a:round/>
-                      <a:headEnd type="none" w="med" len="med"/>
-                      <a:tailEnd type="none" w="med" len="med"/>
-                    </a:lnR>
-                    <a:lnT w="12700" cap="flat" cmpd="sng" algn="ctr">
-                      <a:solidFill>
-                        <a:schemeClr val="tx1"/>
-                      </a:solidFill>
-                      <a:prstDash val="solid"/>
-                      <a:round/>
-                      <a:headEnd type="none" w="med" len="med"/>
-                      <a:tailEnd type="none" w="med" len="med"/>
-                    </a:lnT>
-                    <a:lnB w="12700" cap="flat" cmpd="sng" algn="ctr">
-                      <a:solidFill>
-                        <a:schemeClr val="tx1"/>
-                      </a:solidFill>
-                      <a:prstDash val="solid"/>
-                      <a:round/>
-                      <a:headEnd type="none" w="med" len="med"/>
-                      <a:tailEnd type="none" w="med" len="med"/>
-                    </a:lnB>
-                  </a:tcPr>
-                </a:tc>
-                <a:extLst>
-                  <a:ext uri="{0D108BD9-81ED-4DB2-BD59-A6C34878D82A}">
-                    <a16:rowId xmlns:a16="http://schemas.microsoft.com/office/drawing/2014/main" val="2091497414"/>
+                    <a16:rowId xmlns:a16="http://schemas.microsoft.com/office/drawing/2014/main" val="4074367938"/>
                   </a:ext>
                 </a:extLst>
               </a:tr>
@@ -6238,14 +6861,14 @@
           <p:nvPr>
             <p:extLst>
               <p:ext uri="{D42A27DB-BD31-4B8C-83A1-F6EECF244321}">
-                <p14:modId xmlns:p14="http://schemas.microsoft.com/office/powerpoint/2010/main" val="305110638"/>
+                <p14:modId xmlns:p14="http://schemas.microsoft.com/office/powerpoint/2010/main" val="4281142062"/>
               </p:ext>
             </p:extLst>
           </p:nvPr>
         </p:nvGraphicFramePr>
         <p:xfrm>
-          <a:off x="9055937" y="175329"/>
-          <a:ext cx="1144165" cy="2743200"/>
+          <a:off x="9055937" y="98991"/>
+          <a:ext cx="1144165" cy="3291840"/>
         </p:xfrm>
         <a:graphic>
           <a:graphicData uri="http://schemas.openxmlformats.org/drawingml/2006/table">
@@ -6387,6 +7010,65 @@
                     <a:lstStyle/>
                     <a:p>
                       <a:r>
+                        <a:rPr lang="en-US" sz="1200" i="1" dirty="0" err="1"/>
+                        <a:t>IEPFishCode</a:t>
+                      </a:r>
+                      <a:endParaRPr lang="en-US" sz="1200" i="1" dirty="0"/>
+                    </a:p>
+                  </a:txBody>
+                  <a:tcPr>
+                    <a:lnL w="12700" cap="flat" cmpd="sng" algn="ctr">
+                      <a:solidFill>
+                        <a:schemeClr val="tx1"/>
+                      </a:solidFill>
+                      <a:prstDash val="solid"/>
+                      <a:round/>
+                      <a:headEnd type="none" w="med" len="med"/>
+                      <a:tailEnd type="none" w="med" len="med"/>
+                    </a:lnL>
+                    <a:lnR w="12700" cap="flat" cmpd="sng" algn="ctr">
+                      <a:solidFill>
+                        <a:schemeClr val="tx1"/>
+                      </a:solidFill>
+                      <a:prstDash val="solid"/>
+                      <a:round/>
+                      <a:headEnd type="none" w="med" len="med"/>
+                      <a:tailEnd type="none" w="med" len="med"/>
+                    </a:lnR>
+                    <a:lnT w="12700" cap="flat" cmpd="sng" algn="ctr">
+                      <a:solidFill>
+                        <a:schemeClr val="tx1"/>
+                      </a:solidFill>
+                      <a:prstDash val="solid"/>
+                      <a:round/>
+                      <a:headEnd type="none" w="med" len="med"/>
+                      <a:tailEnd type="none" w="med" len="med"/>
+                    </a:lnT>
+                    <a:lnB w="12700" cap="flat" cmpd="sng" algn="ctr">
+                      <a:solidFill>
+                        <a:schemeClr val="tx1"/>
+                      </a:solidFill>
+                      <a:prstDash val="solid"/>
+                      <a:round/>
+                      <a:headEnd type="none" w="med" len="med"/>
+                      <a:tailEnd type="none" w="med" len="med"/>
+                    </a:lnB>
+                    <a:noFill/>
+                  </a:tcPr>
+                </a:tc>
+                <a:extLst>
+                  <a:ext uri="{0D108BD9-81ED-4DB2-BD59-A6C34878D82A}">
+                    <a16:rowId xmlns:a16="http://schemas.microsoft.com/office/drawing/2014/main" val="3461317052"/>
+                  </a:ext>
+                </a:extLst>
+              </a:tr>
+              <a:tr h="241407">
+                <a:tc>
+                  <a:txBody>
+                    <a:bodyPr/>
+                    <a:lstStyle/>
+                    <a:p>
+                      <a:r>
                         <a:rPr lang="en-US" sz="1200" dirty="0" err="1"/>
                         <a:t>CommonName</a:t>
                       </a:r>
@@ -6435,6 +7117,63 @@
                 <a:extLst>
                   <a:ext uri="{0D108BD9-81ED-4DB2-BD59-A6C34878D82A}">
                     <a16:rowId xmlns:a16="http://schemas.microsoft.com/office/drawing/2014/main" val="2641273355"/>
+                  </a:ext>
+                </a:extLst>
+              </a:tr>
+              <a:tr h="241407">
+                <a:tc>
+                  <a:txBody>
+                    <a:bodyPr/>
+                    <a:lstStyle/>
+                    <a:p>
+                      <a:r>
+                        <a:rPr lang="en-US" sz="1200" dirty="0"/>
+                        <a:t>Native</a:t>
+                      </a:r>
+                    </a:p>
+                  </a:txBody>
+                  <a:tcPr>
+                    <a:lnL w="12700" cap="flat" cmpd="sng" algn="ctr">
+                      <a:solidFill>
+                        <a:schemeClr val="tx1"/>
+                      </a:solidFill>
+                      <a:prstDash val="solid"/>
+                      <a:round/>
+                      <a:headEnd type="none" w="med" len="med"/>
+                      <a:tailEnd type="none" w="med" len="med"/>
+                    </a:lnL>
+                    <a:lnR w="12700" cap="flat" cmpd="sng" algn="ctr">
+                      <a:solidFill>
+                        <a:schemeClr val="tx1"/>
+                      </a:solidFill>
+                      <a:prstDash val="solid"/>
+                      <a:round/>
+                      <a:headEnd type="none" w="med" len="med"/>
+                      <a:tailEnd type="none" w="med" len="med"/>
+                    </a:lnR>
+                    <a:lnT w="12700" cap="flat" cmpd="sng" algn="ctr">
+                      <a:solidFill>
+                        <a:schemeClr val="tx1"/>
+                      </a:solidFill>
+                      <a:prstDash val="solid"/>
+                      <a:round/>
+                      <a:headEnd type="none" w="med" len="med"/>
+                      <a:tailEnd type="none" w="med" len="med"/>
+                    </a:lnT>
+                    <a:lnB w="12700" cap="flat" cmpd="sng" algn="ctr">
+                      <a:solidFill>
+                        <a:schemeClr val="tx1"/>
+                      </a:solidFill>
+                      <a:prstDash val="solid"/>
+                      <a:round/>
+                      <a:headEnd type="none" w="med" len="med"/>
+                      <a:tailEnd type="none" w="med" len="med"/>
+                    </a:lnB>
+                  </a:tcPr>
+                </a:tc>
+                <a:extLst>
+                  <a:ext uri="{0D108BD9-81ED-4DB2-BD59-A6C34878D82A}">
+                    <a16:rowId xmlns:a16="http://schemas.microsoft.com/office/drawing/2014/main" val="924001832"/>
                   </a:ext>
                 </a:extLst>
               </a:tr>
@@ -6787,10 +7526,9 @@
                     <a:lstStyle/>
                     <a:p>
                       <a:r>
-                        <a:rPr lang="en-US" sz="1200" dirty="0" err="1"/>
-                        <a:t>TaxonName</a:t>
+                        <a:rPr lang="en-US" sz="1200" dirty="0"/>
+                        <a:t>Taxa</a:t>
                       </a:r>
-                      <a:endParaRPr lang="en-US" sz="1200" dirty="0"/>
                     </a:p>
                   </a:txBody>
                   <a:tcPr>
@@ -6857,7 +7595,7 @@
           <p:nvPr>
             <p:extLst>
               <p:ext uri="{D42A27DB-BD31-4B8C-83A1-F6EECF244321}">
-                <p14:modId xmlns:p14="http://schemas.microsoft.com/office/powerpoint/2010/main" val="3686653784"/>
+                <p14:modId xmlns:p14="http://schemas.microsoft.com/office/powerpoint/2010/main" val="2538010280"/>
               </p:ext>
             </p:extLst>
           </p:nvPr>
@@ -6988,6 +7726,12 @@
                       <a:headEnd type="none" w="med" len="med"/>
                       <a:tailEnd type="none" w="med" len="med"/>
                     </a:lnB>
+                    <a:solidFill>
+                      <a:schemeClr val="accent6">
+                        <a:lumMod val="40000"/>
+                        <a:lumOff val="60000"/>
+                      </a:schemeClr>
+                    </a:solidFill>
                   </a:tcPr>
                 </a:tc>
                 <a:extLst>
@@ -7363,14 +8107,14 @@
           <p:nvPr>
             <p:extLst>
               <p:ext uri="{D42A27DB-BD31-4B8C-83A1-F6EECF244321}">
-                <p14:modId xmlns:p14="http://schemas.microsoft.com/office/powerpoint/2010/main" val="3231037327"/>
+                <p14:modId xmlns:p14="http://schemas.microsoft.com/office/powerpoint/2010/main" val="782006590"/>
               </p:ext>
             </p:extLst>
           </p:nvPr>
         </p:nvGraphicFramePr>
         <p:xfrm>
-          <a:off x="8897118" y="4156144"/>
-          <a:ext cx="1346433" cy="2468880"/>
+          <a:off x="8910054" y="4007420"/>
+          <a:ext cx="1346433" cy="2194560"/>
         </p:xfrm>
         <a:graphic>
           <a:graphicData uri="http://schemas.openxmlformats.org/drawingml/2006/table">
@@ -7453,7 +8197,7 @@
                     <a:p>
                       <a:r>
                         <a:rPr lang="en-US" sz="1200" i="1" dirty="0" err="1"/>
-                        <a:t>FishTagID</a:t>
+                        <a:t>GeneticRowID</a:t>
                       </a:r>
                       <a:endParaRPr lang="en-US" sz="1200" i="1" dirty="0"/>
                     </a:p>
@@ -7495,11 +8239,72 @@
                       <a:headEnd type="none" w="med" len="med"/>
                       <a:tailEnd type="none" w="med" len="med"/>
                     </a:lnB>
+                    <a:solidFill>
+                      <a:srgbClr val="DDDDDD"/>
+                    </a:solidFill>
                   </a:tcPr>
                 </a:tc>
                 <a:extLst>
                   <a:ext uri="{0D108BD9-81ED-4DB2-BD59-A6C34878D82A}">
                     <a16:rowId xmlns:a16="http://schemas.microsoft.com/office/drawing/2014/main" val="430558698"/>
+                  </a:ext>
+                </a:extLst>
+              </a:tr>
+              <a:tr h="241407">
+                <a:tc>
+                  <a:txBody>
+                    <a:bodyPr/>
+                    <a:lstStyle/>
+                    <a:p>
+                      <a:r>
+                        <a:rPr lang="en-US" sz="1200" i="1" dirty="0" err="1"/>
+                        <a:t>FishGenID</a:t>
+                      </a:r>
+                      <a:endParaRPr lang="en-US" sz="1200" i="1" dirty="0"/>
+                    </a:p>
+                  </a:txBody>
+                  <a:tcPr>
+                    <a:lnL w="12700" cap="flat" cmpd="sng" algn="ctr">
+                      <a:solidFill>
+                        <a:schemeClr val="tx1"/>
+                      </a:solidFill>
+                      <a:prstDash val="solid"/>
+                      <a:round/>
+                      <a:headEnd type="none" w="med" len="med"/>
+                      <a:tailEnd type="none" w="med" len="med"/>
+                    </a:lnL>
+                    <a:lnR w="12700" cap="flat" cmpd="sng" algn="ctr">
+                      <a:solidFill>
+                        <a:schemeClr val="tx1"/>
+                      </a:solidFill>
+                      <a:prstDash val="solid"/>
+                      <a:round/>
+                      <a:headEnd type="none" w="med" len="med"/>
+                      <a:tailEnd type="none" w="med" len="med"/>
+                    </a:lnR>
+                    <a:lnT w="12700" cap="flat" cmpd="sng" algn="ctr">
+                      <a:solidFill>
+                        <a:schemeClr val="tx1"/>
+                      </a:solidFill>
+                      <a:prstDash val="solid"/>
+                      <a:round/>
+                      <a:headEnd type="none" w="med" len="med"/>
+                      <a:tailEnd type="none" w="med" len="med"/>
+                    </a:lnT>
+                    <a:lnB w="12700" cap="flat" cmpd="sng" algn="ctr">
+                      <a:solidFill>
+                        <a:schemeClr val="tx1"/>
+                      </a:solidFill>
+                      <a:prstDash val="solid"/>
+                      <a:round/>
+                      <a:headEnd type="none" w="med" len="med"/>
+                      <a:tailEnd type="none" w="med" len="med"/>
+                    </a:lnB>
+                  </a:tcPr>
+                </a:tc>
+                <a:extLst>
+                  <a:ext uri="{0D108BD9-81ED-4DB2-BD59-A6C34878D82A}">
+                    <a16:rowId xmlns:a16="http://schemas.microsoft.com/office/drawing/2014/main" val="3778054185"/>
                   </a:ext>
                 </a:extLst>
               </a:tr>
@@ -7742,121 +8547,6 @@
                     <a:lstStyle/>
                     <a:p>
                       <a:r>
-                        <a:rPr lang="en-US" sz="1200" dirty="0"/>
-                        <a:t>Lab</a:t>
-                      </a:r>
-                    </a:p>
-                  </a:txBody>
-                  <a:tcPr>
-                    <a:lnL w="12700" cap="flat" cmpd="sng" algn="ctr">
-                      <a:solidFill>
-                        <a:schemeClr val="tx1"/>
-                      </a:solidFill>
-                      <a:prstDash val="solid"/>
-                      <a:round/>
-                      <a:headEnd type="none" w="med" len="med"/>
-                      <a:tailEnd type="none" w="med" len="med"/>
-                    </a:lnL>
-                    <a:lnR w="12700" cap="flat" cmpd="sng" algn="ctr">
-                      <a:solidFill>
-                        <a:schemeClr val="tx1"/>
-                      </a:solidFill>
-                      <a:prstDash val="solid"/>
-                      <a:round/>
-                      <a:headEnd type="none" w="med" len="med"/>
-                      <a:tailEnd type="none" w="med" len="med"/>
-                    </a:lnR>
-                    <a:lnT w="12700" cap="flat" cmpd="sng" algn="ctr">
-                      <a:solidFill>
-                        <a:schemeClr val="tx1"/>
-                      </a:solidFill>
-                      <a:prstDash val="solid"/>
-                      <a:round/>
-                      <a:headEnd type="none" w="med" len="med"/>
-                      <a:tailEnd type="none" w="med" len="med"/>
-                    </a:lnT>
-                    <a:lnB w="12700" cap="flat" cmpd="sng" algn="ctr">
-                      <a:solidFill>
-                        <a:schemeClr val="tx1"/>
-                      </a:solidFill>
-                      <a:prstDash val="solid"/>
-                      <a:round/>
-                      <a:headEnd type="none" w="med" len="med"/>
-                      <a:tailEnd type="none" w="med" len="med"/>
-                    </a:lnB>
-                  </a:tcPr>
-                </a:tc>
-                <a:extLst>
-                  <a:ext uri="{0D108BD9-81ED-4DB2-BD59-A6C34878D82A}">
-                    <a16:rowId xmlns:a16="http://schemas.microsoft.com/office/drawing/2014/main" val="1240418317"/>
-                  </a:ext>
-                </a:extLst>
-              </a:tr>
-              <a:tr h="241407">
-                <a:tc>
-                  <a:txBody>
-                    <a:bodyPr/>
-                    <a:lstStyle/>
-                    <a:p>
-                      <a:r>
-                        <a:rPr lang="en-US" sz="1200" dirty="0" err="1"/>
-                        <a:t>GeneticTest</a:t>
-                      </a:r>
-                      <a:endParaRPr lang="en-US" sz="1200" dirty="0"/>
-                    </a:p>
-                  </a:txBody>
-                  <a:tcPr>
-                    <a:lnL w="12700" cap="flat" cmpd="sng" algn="ctr">
-                      <a:solidFill>
-                        <a:schemeClr val="tx1"/>
-                      </a:solidFill>
-                      <a:prstDash val="solid"/>
-                      <a:round/>
-                      <a:headEnd type="none" w="med" len="med"/>
-                      <a:tailEnd type="none" w="med" len="med"/>
-                    </a:lnL>
-                    <a:lnR w="12700" cap="flat" cmpd="sng" algn="ctr">
-                      <a:solidFill>
-                        <a:schemeClr val="tx1"/>
-                      </a:solidFill>
-                      <a:prstDash val="solid"/>
-                      <a:round/>
-                      <a:headEnd type="none" w="med" len="med"/>
-                      <a:tailEnd type="none" w="med" len="med"/>
-                    </a:lnR>
-                    <a:lnT w="12700" cap="flat" cmpd="sng" algn="ctr">
-                      <a:solidFill>
-                        <a:schemeClr val="tx1"/>
-                      </a:solidFill>
-                      <a:prstDash val="solid"/>
-                      <a:round/>
-                      <a:headEnd type="none" w="med" len="med"/>
-                      <a:tailEnd type="none" w="med" len="med"/>
-                    </a:lnT>
-                    <a:lnB w="12700" cap="flat" cmpd="sng" algn="ctr">
-                      <a:solidFill>
-                        <a:schemeClr val="tx1"/>
-                      </a:solidFill>
-                      <a:prstDash val="solid"/>
-                      <a:round/>
-                      <a:headEnd type="none" w="med" len="med"/>
-                      <a:tailEnd type="none" w="med" len="med"/>
-                    </a:lnB>
-                  </a:tcPr>
-                </a:tc>
-                <a:extLst>
-                  <a:ext uri="{0D108BD9-81ED-4DB2-BD59-A6C34878D82A}">
-                    <a16:rowId xmlns:a16="http://schemas.microsoft.com/office/drawing/2014/main" val="2944554265"/>
-                  </a:ext>
-                </a:extLst>
-              </a:tr>
-              <a:tr h="241407">
-                <a:tc>
-                  <a:txBody>
-                    <a:bodyPr/>
-                    <a:lstStyle/>
-                    <a:p>
-                      <a:r>
                         <a:rPr lang="en-US" sz="1200" dirty="0" err="1"/>
                         <a:t>SmeltComments</a:t>
                       </a:r>
@@ -7927,14 +8617,14 @@
           <p:nvPr>
             <p:extLst>
               <p:ext uri="{D42A27DB-BD31-4B8C-83A1-F6EECF244321}">
-                <p14:modId xmlns:p14="http://schemas.microsoft.com/office/powerpoint/2010/main" val="1960096267"/>
+                <p14:modId xmlns:p14="http://schemas.microsoft.com/office/powerpoint/2010/main" val="650426309"/>
               </p:ext>
             </p:extLst>
           </p:nvPr>
         </p:nvGraphicFramePr>
         <p:xfrm>
-          <a:off x="6512360" y="2732402"/>
-          <a:ext cx="1783652" cy="3840480"/>
+          <a:off x="6504452" y="2391686"/>
+          <a:ext cx="1783652" cy="4389120"/>
         </p:xfrm>
         <a:graphic>
           <a:graphicData uri="http://schemas.openxmlformats.org/drawingml/2006/table">
@@ -7958,9 +8648,10 @@
                     <a:lstStyle/>
                     <a:p>
                       <a:r>
-                        <a:rPr lang="en-US" sz="1200" b="1" i="0" dirty="0"/>
-                        <a:t>organism</a:t>
+                        <a:rPr lang="en-US" sz="1200" b="1" i="0" dirty="0" err="1"/>
+                        <a:t>fish_unique</a:t>
                       </a:r>
+                      <a:endParaRPr lang="en-US" sz="1200" b="1" i="0" dirty="0"/>
                     </a:p>
                   </a:txBody>
                   <a:tcPr>
@@ -8016,9 +8707,12 @@
                     <a:p>
                       <a:r>
                         <a:rPr lang="en-US" sz="1200" i="1" dirty="0" err="1"/>
-                        <a:t>FishTagID</a:t>
+                        <a:t>OrganismID</a:t>
                       </a:r>
-                      <a:endParaRPr lang="en-US" sz="1200" i="1" dirty="0"/>
+                      <a:r>
+                        <a:rPr lang="en-US" sz="1200" dirty="0"/>
+                        <a:t> (1998_TFS3)</a:t>
+                      </a:r>
                     </a:p>
                   </a:txBody>
                   <a:tcPr>
@@ -8080,6 +8774,65 @@
                     <a:p>
                       <a:r>
                         <a:rPr lang="en-US" sz="1200" dirty="0" err="1"/>
+                        <a:t>FishGenID</a:t>
+                      </a:r>
+                      <a:endParaRPr lang="en-US" sz="1200" dirty="0"/>
+                    </a:p>
+                  </a:txBody>
+                  <a:tcPr>
+                    <a:lnL w="12700" cap="flat" cmpd="sng" algn="ctr">
+                      <a:solidFill>
+                        <a:schemeClr val="tx1"/>
+                      </a:solidFill>
+                      <a:prstDash val="solid"/>
+                      <a:round/>
+                      <a:headEnd type="none" w="med" len="med"/>
+                      <a:tailEnd type="none" w="med" len="med"/>
+                    </a:lnL>
+                    <a:lnR w="12700" cap="flat" cmpd="sng" algn="ctr">
+                      <a:solidFill>
+                        <a:schemeClr val="tx1"/>
+                      </a:solidFill>
+                      <a:prstDash val="solid"/>
+                      <a:round/>
+                      <a:headEnd type="none" w="med" len="med"/>
+                      <a:tailEnd type="none" w="med" len="med"/>
+                    </a:lnR>
+                    <a:lnT w="12700" cap="flat" cmpd="sng" algn="ctr">
+                      <a:solidFill>
+                        <a:schemeClr val="tx1"/>
+                      </a:solidFill>
+                      <a:prstDash val="solid"/>
+                      <a:round/>
+                      <a:headEnd type="none" w="med" len="med"/>
+                      <a:tailEnd type="none" w="med" len="med"/>
+                    </a:lnT>
+                    <a:lnB w="12700" cap="flat" cmpd="sng" algn="ctr">
+                      <a:solidFill>
+                        <a:schemeClr val="tx1"/>
+                      </a:solidFill>
+                      <a:prstDash val="solid"/>
+                      <a:round/>
+                      <a:headEnd type="none" w="med" len="med"/>
+                      <a:tailEnd type="none" w="med" len="med"/>
+                    </a:lnB>
+                    <a:noFill/>
+                  </a:tcPr>
+                </a:tc>
+                <a:extLst>
+                  <a:ext uri="{0D108BD9-81ED-4DB2-BD59-A6C34878D82A}">
+                    <a16:rowId xmlns:a16="http://schemas.microsoft.com/office/drawing/2014/main" val="2641273355"/>
+                  </a:ext>
+                </a:extLst>
+              </a:tr>
+              <a:tr h="241407">
+                <a:tc>
+                  <a:txBody>
+                    <a:bodyPr/>
+                    <a:lstStyle/>
+                    <a:p>
+                      <a:r>
+                        <a:rPr lang="en-US" sz="1200" dirty="0" err="1"/>
                         <a:t>SampleID</a:t>
                       </a:r>
                       <a:endParaRPr lang="en-US" sz="1200" dirty="0"/>
@@ -8122,11 +8875,12 @@
                       <a:headEnd type="none" w="med" len="med"/>
                       <a:tailEnd type="none" w="med" len="med"/>
                     </a:lnB>
+                    <a:noFill/>
                   </a:tcPr>
                 </a:tc>
                 <a:extLst>
                   <a:ext uri="{0D108BD9-81ED-4DB2-BD59-A6C34878D82A}">
-                    <a16:rowId xmlns:a16="http://schemas.microsoft.com/office/drawing/2014/main" val="2641273355"/>
+                    <a16:rowId xmlns:a16="http://schemas.microsoft.com/office/drawing/2014/main" val="546535307"/>
                   </a:ext>
                 </a:extLst>
               </a:tr>
@@ -8656,8 +9410,65 @@
                     <a:lstStyle/>
                     <a:p>
                       <a:r>
-                        <a:rPr lang="en-US" sz="1200"/>
+                        <a:rPr lang="en-US" sz="1200" dirty="0"/>
                         <a:t>Expression</a:t>
+                      </a:r>
+                    </a:p>
+                  </a:txBody>
+                  <a:tcPr>
+                    <a:lnL w="12700" cap="flat" cmpd="sng" algn="ctr">
+                      <a:solidFill>
+                        <a:schemeClr val="tx1"/>
+                      </a:solidFill>
+                      <a:prstDash val="solid"/>
+                      <a:round/>
+                      <a:headEnd type="none" w="med" len="med"/>
+                      <a:tailEnd type="none" w="med" len="med"/>
+                    </a:lnL>
+                    <a:lnR w="12700" cap="flat" cmpd="sng" algn="ctr">
+                      <a:solidFill>
+                        <a:schemeClr val="tx1"/>
+                      </a:solidFill>
+                      <a:prstDash val="solid"/>
+                      <a:round/>
+                      <a:headEnd type="none" w="med" len="med"/>
+                      <a:tailEnd type="none" w="med" len="med"/>
+                    </a:lnR>
+                    <a:lnT w="12700" cap="flat" cmpd="sng" algn="ctr">
+                      <a:solidFill>
+                        <a:schemeClr val="tx1"/>
+                      </a:solidFill>
+                      <a:prstDash val="solid"/>
+                      <a:round/>
+                      <a:headEnd type="none" w="med" len="med"/>
+                      <a:tailEnd type="none" w="med" len="med"/>
+                    </a:lnT>
+                    <a:lnB w="12700" cap="flat" cmpd="sng" algn="ctr">
+                      <a:solidFill>
+                        <a:schemeClr val="tx1"/>
+                      </a:solidFill>
+                      <a:prstDash val="solid"/>
+                      <a:round/>
+                      <a:headEnd type="none" w="med" len="med"/>
+                      <a:tailEnd type="none" w="med" len="med"/>
+                    </a:lnB>
+                  </a:tcPr>
+                </a:tc>
+                <a:extLst>
+                  <a:ext uri="{0D108BD9-81ED-4DB2-BD59-A6C34878D82A}">
+                    <a16:rowId xmlns:a16="http://schemas.microsoft.com/office/drawing/2014/main" val="2932870043"/>
+                  </a:ext>
+                </a:extLst>
+              </a:tr>
+              <a:tr h="241407">
+                <a:tc>
+                  <a:txBody>
+                    <a:bodyPr/>
+                    <a:lstStyle/>
+                    <a:p>
+                      <a:r>
+                        <a:rPr lang="en-US" sz="1200" dirty="0" err="1"/>
+                        <a:t>GeneticSample</a:t>
                       </a:r>
                       <a:endParaRPr lang="en-US" sz="1200" dirty="0"/>
                     </a:p>
@@ -8703,7 +9514,7 @@
                 </a:tc>
                 <a:extLst>
                   <a:ext uri="{0D108BD9-81ED-4DB2-BD59-A6C34878D82A}">
-                    <a16:rowId xmlns:a16="http://schemas.microsoft.com/office/drawing/2014/main" val="2932870043"/>
+                    <a16:rowId xmlns:a16="http://schemas.microsoft.com/office/drawing/2014/main" val="3257803967"/>
                   </a:ext>
                 </a:extLst>
               </a:tr>
@@ -8778,13 +9589,15 @@
               </a:ext>
             </a:extLst>
           </p:cNvPr>
-          <p:cNvCxnSpPr/>
+          <p:cNvCxnSpPr>
+            <a:cxnSpLocks/>
+          </p:cNvCxnSpPr>
           <p:nvPr/>
         </p:nvCxnSpPr>
         <p:spPr>
           <a:xfrm>
-            <a:off x="8296012" y="3104656"/>
-            <a:ext cx="2288252" cy="0"/>
+            <a:off x="8509113" y="3467169"/>
+            <a:ext cx="2076489" cy="0"/>
           </a:xfrm>
           <a:prstGeom prst="straightConnector1">
             <a:avLst/>
@@ -8824,7 +9637,7 @@
         </p:nvCxnSpPr>
         <p:spPr>
           <a:xfrm>
-            <a:off x="8507775" y="4604137"/>
+            <a:off x="8511465" y="4741566"/>
             <a:ext cx="389343" cy="0"/>
           </a:xfrm>
           <a:prstGeom prst="straightConnector1">
@@ -8860,14 +9673,13 @@
           </p:cNvPr>
           <p:cNvCxnSpPr>
             <a:cxnSpLocks/>
-            <a:endCxn id="6" idx="1"/>
           </p:cNvCxnSpPr>
           <p:nvPr/>
         </p:nvCxnSpPr>
         <p:spPr>
-          <a:xfrm flipV="1">
-            <a:off x="4702536" y="1103304"/>
-            <a:ext cx="751447" cy="269147"/>
+          <a:xfrm>
+            <a:off x="4705724" y="1639653"/>
+            <a:ext cx="719845" cy="0"/>
           </a:xfrm>
           <a:prstGeom prst="straightConnector1">
             <a:avLst/>
@@ -8991,13 +9803,15 @@
               </a:ext>
             </a:extLst>
           </p:cNvPr>
-          <p:cNvCxnSpPr/>
+          <p:cNvCxnSpPr>
+            <a:cxnSpLocks/>
+          </p:cNvCxnSpPr>
           <p:nvPr/>
         </p:nvCxnSpPr>
         <p:spPr>
           <a:xfrm>
-            <a:off x="4401983" y="1369534"/>
-            <a:ext cx="0" cy="2929223"/>
+            <a:off x="4401983" y="659387"/>
+            <a:ext cx="0" cy="3639370"/>
           </a:xfrm>
           <a:prstGeom prst="line">
             <a:avLst/>
@@ -9035,7 +9849,7 @@
         </p:nvCxnSpPr>
         <p:spPr>
           <a:xfrm>
-            <a:off x="4101430" y="1355673"/>
+            <a:off x="4101430" y="659387"/>
             <a:ext cx="601106" cy="0"/>
           </a:xfrm>
           <a:prstGeom prst="line">
@@ -9074,8 +9888,8 @@
         </p:nvCxnSpPr>
         <p:spPr>
           <a:xfrm>
-            <a:off x="4702536" y="1355673"/>
-            <a:ext cx="0" cy="2347603"/>
+            <a:off x="4702536" y="659387"/>
+            <a:ext cx="0" cy="3043889"/>
           </a:xfrm>
           <a:prstGeom prst="line">
             <a:avLst/>
@@ -9113,7 +9927,7 @@
         </p:nvCxnSpPr>
         <p:spPr>
           <a:xfrm>
-            <a:off x="1808197" y="1649234"/>
+            <a:off x="1822161" y="994846"/>
             <a:ext cx="346987" cy="0"/>
           </a:xfrm>
           <a:prstGeom prst="straightConnector1">
@@ -9157,7 +9971,7 @@
         </p:nvCxnSpPr>
         <p:spPr>
           <a:xfrm>
-            <a:off x="7667538" y="593673"/>
+            <a:off x="7667538" y="467838"/>
             <a:ext cx="1388399" cy="0"/>
           </a:xfrm>
           <a:prstGeom prst="line">
@@ -9199,9 +10013,9 @@
           <p:nvPr/>
         </p:nvCxnSpPr>
         <p:spPr>
-          <a:xfrm>
-            <a:off x="8719538" y="593673"/>
-            <a:ext cx="0" cy="3373169"/>
+          <a:xfrm flipH="1">
+            <a:off x="8706136" y="467838"/>
+            <a:ext cx="13402" cy="3423923"/>
           </a:xfrm>
           <a:prstGeom prst="line">
             <a:avLst/>
@@ -9243,7 +10057,7 @@
         </p:nvCxnSpPr>
         <p:spPr>
           <a:xfrm flipH="1">
-            <a:off x="8296012" y="3966842"/>
+            <a:off x="8282610" y="3878577"/>
             <a:ext cx="423526" cy="0"/>
           </a:xfrm>
           <a:prstGeom prst="straightConnector1">
@@ -9287,8 +10101,8 @@
         </p:nvCxnSpPr>
         <p:spPr>
           <a:xfrm>
-            <a:off x="8507775" y="3104656"/>
-            <a:ext cx="0" cy="1499481"/>
+            <a:off x="8509113" y="3103927"/>
+            <a:ext cx="0" cy="1637639"/>
           </a:xfrm>
           <a:prstGeom prst="line">
             <a:avLst/>
@@ -9330,8 +10144,8 @@
         </p:nvCxnSpPr>
         <p:spPr>
           <a:xfrm>
-            <a:off x="7667538" y="593672"/>
-            <a:ext cx="0" cy="775862"/>
+            <a:off x="7667538" y="467838"/>
+            <a:ext cx="0" cy="1413672"/>
           </a:xfrm>
           <a:prstGeom prst="line">
             <a:avLst/>
@@ -9359,10 +10173,133 @@
       </p:cxnSp>
       <p:cxnSp>
         <p:nvCxnSpPr>
-          <p:cNvPr id="55" name="Straight Connector 54">
-            <a:extLst>
-              <a:ext uri="{FF2B5EF4-FFF2-40B4-BE49-F238E27FC236}">
-                <a16:creationId xmlns:a16="http://schemas.microsoft.com/office/drawing/2014/main" id="{78A4CC32-56E6-4E0F-A1E3-AEC2D4F29B4C}"/>
+          <p:cNvPr id="58" name="Straight Arrow Connector 57">
+            <a:extLst>
+              <a:ext uri="{FF2B5EF4-FFF2-40B4-BE49-F238E27FC236}">
+                <a16:creationId xmlns:a16="http://schemas.microsoft.com/office/drawing/2014/main" id="{4A1E31EF-5737-4A73-AD8B-EC57B136CC88}"/>
+              </a:ext>
+            </a:extLst>
+          </p:cNvPr>
+          <p:cNvCxnSpPr>
+            <a:cxnSpLocks/>
+          </p:cNvCxnSpPr>
+          <p:nvPr/>
+        </p:nvCxnSpPr>
+        <p:spPr>
+          <a:xfrm flipH="1">
+            <a:off x="6580970" y="1881510"/>
+            <a:ext cx="1086568" cy="0"/>
+          </a:xfrm>
+          <a:prstGeom prst="straightConnector1">
+            <a:avLst/>
+          </a:prstGeom>
+          <a:ln w="28575">
+            <a:solidFill>
+              <a:srgbClr val="F0629F"/>
+            </a:solidFill>
+            <a:tailEnd type="triangle"/>
+          </a:ln>
+        </p:spPr>
+        <p:style>
+          <a:lnRef idx="1">
+            <a:schemeClr val="accent1"/>
+          </a:lnRef>
+          <a:fillRef idx="0">
+            <a:schemeClr val="accent1"/>
+          </a:fillRef>
+          <a:effectRef idx="0">
+            <a:schemeClr val="accent1"/>
+          </a:effectRef>
+          <a:fontRef idx="minor">
+            <a:schemeClr val="tx1"/>
+          </a:fontRef>
+        </p:style>
+      </p:cxnSp>
+      <p:sp>
+        <p:nvSpPr>
+          <p:cNvPr id="70" name="TextBox 69">
+            <a:extLst>
+              <a:ext uri="{FF2B5EF4-FFF2-40B4-BE49-F238E27FC236}">
+                <a16:creationId xmlns:a16="http://schemas.microsoft.com/office/drawing/2014/main" id="{BF80F1B4-32EA-49B9-BDB7-5E2BA0A1AE13}"/>
+              </a:ext>
+            </a:extLst>
+          </p:cNvPr>
+          <p:cNvSpPr txBox="1"/>
+          <p:nvPr/>
+        </p:nvSpPr>
+        <p:spPr>
+          <a:xfrm>
+            <a:off x="4433950" y="-13888"/>
+            <a:ext cx="5924655" cy="461665"/>
+          </a:xfrm>
+          <a:prstGeom prst="rect">
+            <a:avLst/>
+          </a:prstGeom>
+          <a:noFill/>
+        </p:spPr>
+        <p:txBody>
+          <a:bodyPr wrap="square" rtlCol="0">
+            <a:spAutoFit/>
+          </a:bodyPr>
+          <a:lstStyle/>
+          <a:p>
+            <a:r>
+              <a:rPr lang="en-US" sz="2400" b="1" dirty="0"/>
+              <a:t>YBFMP Fish Tables for EDI</a:t>
+            </a:r>
+            <a:endParaRPr lang="en-US" sz="1600" dirty="0"/>
+          </a:p>
+        </p:txBody>
+      </p:sp>
+      <p:cxnSp>
+        <p:nvCxnSpPr>
+          <p:cNvPr id="36" name="Straight Connector 35">
+            <a:extLst>
+              <a:ext uri="{FF2B5EF4-FFF2-40B4-BE49-F238E27FC236}">
+                <a16:creationId xmlns:a16="http://schemas.microsoft.com/office/drawing/2014/main" id="{FC203FF0-7314-4C68-BC84-0245F7729C64}"/>
+              </a:ext>
+            </a:extLst>
+          </p:cNvPr>
+          <p:cNvCxnSpPr>
+            <a:cxnSpLocks/>
+          </p:cNvCxnSpPr>
+          <p:nvPr/>
+        </p:nvCxnSpPr>
+        <p:spPr>
+          <a:xfrm flipH="1">
+            <a:off x="8282610" y="3103927"/>
+            <a:ext cx="226501" cy="0"/>
+          </a:xfrm>
+          <a:prstGeom prst="line">
+            <a:avLst/>
+          </a:prstGeom>
+          <a:ln w="28575">
+            <a:solidFill>
+              <a:schemeClr val="accent1"/>
+            </a:solidFill>
+          </a:ln>
+        </p:spPr>
+        <p:style>
+          <a:lnRef idx="1">
+            <a:schemeClr val="accent6"/>
+          </a:lnRef>
+          <a:fillRef idx="0">
+            <a:schemeClr val="accent6"/>
+          </a:fillRef>
+          <a:effectRef idx="0">
+            <a:schemeClr val="accent6"/>
+          </a:effectRef>
+          <a:fontRef idx="minor">
+            <a:schemeClr val="tx1"/>
+          </a:fontRef>
+        </p:style>
+      </p:cxnSp>
+      <p:cxnSp>
+        <p:nvCxnSpPr>
+          <p:cNvPr id="45" name="Straight Connector 44">
+            <a:extLst>
+              <a:ext uri="{FF2B5EF4-FFF2-40B4-BE49-F238E27FC236}">
+                <a16:creationId xmlns:a16="http://schemas.microsoft.com/office/drawing/2014/main" id="{B84FCA62-68BE-4572-B072-7EACD628C1C8}"/>
               </a:ext>
             </a:extLst>
           </p:cNvPr>
@@ -9373,8 +10310,8 @@
         </p:nvCxnSpPr>
         <p:spPr>
           <a:xfrm>
-            <a:off x="5199136" y="929002"/>
-            <a:ext cx="0" cy="2496601"/>
+            <a:off x="5050172" y="1106800"/>
+            <a:ext cx="375397" cy="0"/>
           </a:xfrm>
           <a:prstGeom prst="line">
             <a:avLst/>
@@ -9402,10 +10339,10 @@
       </p:cxnSp>
       <p:cxnSp>
         <p:nvCxnSpPr>
-          <p:cNvPr id="58" name="Straight Arrow Connector 57">
-            <a:extLst>
-              <a:ext uri="{FF2B5EF4-FFF2-40B4-BE49-F238E27FC236}">
-                <a16:creationId xmlns:a16="http://schemas.microsoft.com/office/drawing/2014/main" id="{4A1E31EF-5737-4A73-AD8B-EC57B136CC88}"/>
+          <p:cNvPr id="46" name="Straight Connector 45">
+            <a:extLst>
+              <a:ext uri="{FF2B5EF4-FFF2-40B4-BE49-F238E27FC236}">
+                <a16:creationId xmlns:a16="http://schemas.microsoft.com/office/drawing/2014/main" id="{34F7CD13-9601-4A87-B083-A9413536C0B7}"/>
               </a:ext>
             </a:extLst>
           </p:cNvPr>
@@ -9416,52 +10353,8 @@
         </p:nvCxnSpPr>
         <p:spPr>
           <a:xfrm flipH="1">
-            <a:off x="6580970" y="1369782"/>
-            <a:ext cx="1086568" cy="0"/>
-          </a:xfrm>
-          <a:prstGeom prst="straightConnector1">
-            <a:avLst/>
-          </a:prstGeom>
-          <a:ln w="28575">
-            <a:solidFill>
-              <a:srgbClr val="F0629F"/>
-            </a:solidFill>
-            <a:tailEnd type="triangle"/>
-          </a:ln>
-        </p:spPr>
-        <p:style>
-          <a:lnRef idx="1">
-            <a:schemeClr val="accent1"/>
-          </a:lnRef>
-          <a:fillRef idx="0">
-            <a:schemeClr val="accent1"/>
-          </a:fillRef>
-          <a:effectRef idx="0">
-            <a:schemeClr val="accent1"/>
-          </a:effectRef>
-          <a:fontRef idx="minor">
-            <a:schemeClr val="tx1"/>
-          </a:fontRef>
-        </p:style>
-      </p:cxnSp>
-      <p:cxnSp>
-        <p:nvCxnSpPr>
-          <p:cNvPr id="61" name="Straight Connector 60">
-            <a:extLst>
-              <a:ext uri="{FF2B5EF4-FFF2-40B4-BE49-F238E27FC236}">
-                <a16:creationId xmlns:a16="http://schemas.microsoft.com/office/drawing/2014/main" id="{4B1EC17A-D64D-49F6-9294-B583CFECDD5C}"/>
-              </a:ext>
-            </a:extLst>
-          </p:cNvPr>
-          <p:cNvCxnSpPr>
-            <a:cxnSpLocks/>
-          </p:cNvCxnSpPr>
-          <p:nvPr/>
-        </p:nvCxnSpPr>
-        <p:spPr>
-          <a:xfrm flipH="1">
-            <a:off x="5190747" y="912094"/>
-            <a:ext cx="237669" cy="0"/>
+            <a:off x="5063572" y="1089961"/>
+            <a:ext cx="1" cy="2297610"/>
           </a:xfrm>
           <a:prstGeom prst="line">
             <a:avLst/>
@@ -9489,10 +10382,10 @@
       </p:cxnSp>
       <p:cxnSp>
         <p:nvCxnSpPr>
-          <p:cNvPr id="63" name="Straight Arrow Connector 62">
-            <a:extLst>
-              <a:ext uri="{FF2B5EF4-FFF2-40B4-BE49-F238E27FC236}">
-                <a16:creationId xmlns:a16="http://schemas.microsoft.com/office/drawing/2014/main" id="{657FE358-0204-4A56-8F95-61A3C867AAE4}"/>
+          <p:cNvPr id="48" name="Straight Arrow Connector 47">
+            <a:extLst>
+              <a:ext uri="{FF2B5EF4-FFF2-40B4-BE49-F238E27FC236}">
+                <a16:creationId xmlns:a16="http://schemas.microsoft.com/office/drawing/2014/main" id="{531834C6-4505-4147-B8A4-5682B4A15354}"/>
               </a:ext>
             </a:extLst>
           </p:cNvPr>
@@ -9502,9 +10395,9 @@
           <p:nvPr/>
         </p:nvCxnSpPr>
         <p:spPr>
-          <a:xfrm flipV="1">
-            <a:off x="5190747" y="3425603"/>
-            <a:ext cx="1301820" cy="3397"/>
+          <a:xfrm>
+            <a:off x="5065646" y="3387571"/>
+            <a:ext cx="1426920" cy="0"/>
           </a:xfrm>
           <a:prstGeom prst="straightConnector1">
             <a:avLst/>
@@ -9531,42 +10424,6 @@
           </a:fontRef>
         </p:style>
       </p:cxnSp>
-      <p:sp>
-        <p:nvSpPr>
-          <p:cNvPr id="70" name="TextBox 69">
-            <a:extLst>
-              <a:ext uri="{FF2B5EF4-FFF2-40B4-BE49-F238E27FC236}">
-                <a16:creationId xmlns:a16="http://schemas.microsoft.com/office/drawing/2014/main" id="{BF80F1B4-32EA-49B9-BDB7-5E2BA0A1AE13}"/>
-              </a:ext>
-            </a:extLst>
-          </p:cNvPr>
-          <p:cNvSpPr txBox="1"/>
-          <p:nvPr/>
-        </p:nvSpPr>
-        <p:spPr>
-          <a:xfrm>
-            <a:off x="280721" y="112126"/>
-            <a:ext cx="5924655" cy="461665"/>
-          </a:xfrm>
-          <a:prstGeom prst="rect">
-            <a:avLst/>
-          </a:prstGeom>
-          <a:noFill/>
-        </p:spPr>
-        <p:txBody>
-          <a:bodyPr wrap="square" rtlCol="0">
-            <a:spAutoFit/>
-          </a:bodyPr>
-          <a:lstStyle/>
-          <a:p>
-            <a:r>
-              <a:rPr lang="en-US" sz="2400" b="1" dirty="0"/>
-              <a:t>YBFMP Fish Tables for EDI</a:t>
-            </a:r>
-            <a:endParaRPr lang="en-US" sz="1600" dirty="0"/>
-          </a:p>
-        </p:txBody>
-      </p:sp>
     </p:spTree>
     <p:extLst>
       <p:ext uri="{BB962C8B-B14F-4D97-AF65-F5344CB8AC3E}">
@@ -10005,7 +10862,7 @@
         </p:nvSpPr>
         <p:spPr>
           <a:xfrm>
-            <a:off x="1820255" y="889568"/>
+            <a:off x="1216858" y="1121054"/>
             <a:ext cx="2763432" cy="307777"/>
           </a:xfrm>
           <a:prstGeom prst="rect">
@@ -10134,13 +10991,14 @@
           </p:cNvPr>
           <p:cNvCxnSpPr>
             <a:cxnSpLocks/>
+            <a:stCxn id="9" idx="1"/>
           </p:cNvCxnSpPr>
           <p:nvPr/>
         </p:nvCxnSpPr>
         <p:spPr>
           <a:xfrm flipH="1">
-            <a:off x="4429663" y="540547"/>
-            <a:ext cx="492715" cy="324190"/>
+            <a:off x="3557767" y="320571"/>
+            <a:ext cx="612376" cy="259808"/>
           </a:xfrm>
           <a:prstGeom prst="straightConnector1">
             <a:avLst/>
@@ -10182,9 +11040,9 @@
           <p:nvPr/>
         </p:nvCxnSpPr>
         <p:spPr>
-          <a:xfrm flipH="1">
-            <a:off x="2146673" y="1218200"/>
-            <a:ext cx="1" cy="1697564"/>
+          <a:xfrm>
+            <a:off x="2146674" y="1428831"/>
+            <a:ext cx="0" cy="1486933"/>
           </a:xfrm>
           <a:prstGeom prst="straightConnector1">
             <a:avLst/>
@@ -10620,92 +11478,6 @@
       </p:cxnSp>
       <p:sp>
         <p:nvSpPr>
-          <p:cNvPr id="32" name="TextBox 31">
-            <a:extLst>
-              <a:ext uri="{FF2B5EF4-FFF2-40B4-BE49-F238E27FC236}">
-                <a16:creationId xmlns:a16="http://schemas.microsoft.com/office/drawing/2014/main" id="{95FCEF25-C1EF-4F5C-A1BB-8EB6602D6FE8}"/>
-              </a:ext>
-            </a:extLst>
-          </p:cNvPr>
-          <p:cNvSpPr txBox="1"/>
-          <p:nvPr/>
-        </p:nvSpPr>
-        <p:spPr>
-          <a:xfrm>
-            <a:off x="6830008" y="3022573"/>
-            <a:ext cx="1659388" cy="307777"/>
-          </a:xfrm>
-          <a:prstGeom prst="rect">
-            <a:avLst/>
-          </a:prstGeom>
-          <a:solidFill>
-            <a:srgbClr val="D5BDC7"/>
-          </a:solidFill>
-          <a:ln w="19050">
-            <a:solidFill>
-              <a:srgbClr val="A26A82"/>
-            </a:solidFill>
-          </a:ln>
-        </p:spPr>
-        <p:txBody>
-          <a:bodyPr wrap="square" rtlCol="0">
-            <a:spAutoFit/>
-          </a:bodyPr>
-          <a:lstStyle/>
-          <a:p>
-            <a:r>
-              <a:rPr lang="en-US" sz="1400" b="1" dirty="0"/>
-              <a:t>FTP (if applicable)</a:t>
-            </a:r>
-          </a:p>
-        </p:txBody>
-      </p:sp>
-      <p:cxnSp>
-        <p:nvCxnSpPr>
-          <p:cNvPr id="33" name="Straight Arrow Connector 32">
-            <a:extLst>
-              <a:ext uri="{FF2B5EF4-FFF2-40B4-BE49-F238E27FC236}">
-                <a16:creationId xmlns:a16="http://schemas.microsoft.com/office/drawing/2014/main" id="{B72C4865-3A67-47E2-9F0B-69309502644A}"/>
-              </a:ext>
-            </a:extLst>
-          </p:cNvPr>
-          <p:cNvCxnSpPr>
-            <a:cxnSpLocks/>
-          </p:cNvCxnSpPr>
-          <p:nvPr/>
-        </p:nvCxnSpPr>
-        <p:spPr>
-          <a:xfrm>
-            <a:off x="5589037" y="3176461"/>
-            <a:ext cx="1240971" cy="0"/>
-          </a:xfrm>
-          <a:prstGeom prst="straightConnector1">
-            <a:avLst/>
-          </a:prstGeom>
-          <a:ln w="38100">
-            <a:solidFill>
-              <a:schemeClr val="tx1"/>
-            </a:solidFill>
-            <a:tailEnd type="triangle"/>
-          </a:ln>
-        </p:spPr>
-        <p:style>
-          <a:lnRef idx="1">
-            <a:schemeClr val="accent1"/>
-          </a:lnRef>
-          <a:fillRef idx="0">
-            <a:schemeClr val="accent1"/>
-          </a:fillRef>
-          <a:effectRef idx="0">
-            <a:schemeClr val="accent1"/>
-          </a:effectRef>
-          <a:fontRef idx="minor">
-            <a:schemeClr val="tx1"/>
-          </a:fontRef>
-        </p:style>
-      </p:cxnSp>
-      <p:sp>
-        <p:nvSpPr>
           <p:cNvPr id="34" name="TextBox 33">
             <a:extLst>
               <a:ext uri="{FF2B5EF4-FFF2-40B4-BE49-F238E27FC236}">
@@ -10764,7 +11536,7 @@
         </p:nvSpPr>
         <p:spPr>
           <a:xfrm>
-            <a:off x="4743046" y="593099"/>
+            <a:off x="4520855" y="625428"/>
             <a:ext cx="4450577" cy="276999"/>
           </a:xfrm>
           <a:prstGeom prst="rect">
@@ -10909,7 +11681,7 @@
         </p:nvSpPr>
         <p:spPr>
           <a:xfrm>
-            <a:off x="4583686" y="916644"/>
+            <a:off x="3980290" y="1138308"/>
             <a:ext cx="2496909" cy="276999"/>
           </a:xfrm>
           <a:prstGeom prst="rect">
@@ -10945,9 +11717,145 @@
           <p:nvPr/>
         </p:nvCxnSpPr>
         <p:spPr>
+          <a:xfrm>
+            <a:off x="2998238" y="1415307"/>
+            <a:ext cx="2" cy="973638"/>
+          </a:xfrm>
+          <a:prstGeom prst="straightConnector1">
+            <a:avLst/>
+          </a:prstGeom>
+          <a:ln w="38100">
+            <a:solidFill>
+              <a:schemeClr val="tx1"/>
+            </a:solidFill>
+            <a:tailEnd type="triangle"/>
+          </a:ln>
+        </p:spPr>
+        <p:style>
+          <a:lnRef idx="1">
+            <a:schemeClr val="accent1"/>
+          </a:lnRef>
+          <a:fillRef idx="0">
+            <a:schemeClr val="accent1"/>
+          </a:fillRef>
+          <a:effectRef idx="0">
+            <a:schemeClr val="accent1"/>
+          </a:effectRef>
+          <a:fontRef idx="minor">
+            <a:schemeClr val="tx1"/>
+          </a:fontRef>
+        </p:style>
+      </p:cxnSp>
+      <p:sp>
+        <p:nvSpPr>
+          <p:cNvPr id="28" name="TextBox 27">
+            <a:extLst>
+              <a:ext uri="{FF2B5EF4-FFF2-40B4-BE49-F238E27FC236}">
+                <a16:creationId xmlns:a16="http://schemas.microsoft.com/office/drawing/2014/main" id="{2C542420-B2CE-47DD-8F8F-752285139738}"/>
+              </a:ext>
+            </a:extLst>
+          </p:cNvPr>
+          <p:cNvSpPr txBox="1"/>
+          <p:nvPr/>
+        </p:nvSpPr>
+        <p:spPr>
+          <a:xfrm>
+            <a:off x="1615155" y="580379"/>
+            <a:ext cx="1942611" cy="307777"/>
+          </a:xfrm>
+          <a:prstGeom prst="rect">
+            <a:avLst/>
+          </a:prstGeom>
+          <a:solidFill>
+            <a:schemeClr val="tx2">
+              <a:lumMod val="40000"/>
+              <a:lumOff val="60000"/>
+            </a:schemeClr>
+          </a:solidFill>
+          <a:ln w="19050">
+            <a:solidFill>
+              <a:schemeClr val="tx2">
+                <a:lumMod val="75000"/>
+              </a:schemeClr>
+            </a:solidFill>
+          </a:ln>
+        </p:spPr>
+        <p:txBody>
+          <a:bodyPr wrap="square" rtlCol="0">
+            <a:spAutoFit/>
+          </a:bodyPr>
+          <a:lstStyle/>
+          <a:p>
+            <a:r>
+              <a:rPr lang="en-US" sz="1400" b="1" dirty="0" err="1"/>
+              <a:t>Clean_qc_effort.Rmd</a:t>
+            </a:r>
+            <a:endParaRPr lang="en-US" sz="1400" b="1" dirty="0"/>
+          </a:p>
+        </p:txBody>
+      </p:sp>
+      <p:cxnSp>
+        <p:nvCxnSpPr>
+          <p:cNvPr id="37" name="Straight Arrow Connector 36">
+            <a:extLst>
+              <a:ext uri="{FF2B5EF4-FFF2-40B4-BE49-F238E27FC236}">
+                <a16:creationId xmlns:a16="http://schemas.microsoft.com/office/drawing/2014/main" id="{4DE5B6F2-67DF-4C9F-B345-02E6E9D82A35}"/>
+              </a:ext>
+            </a:extLst>
+          </p:cNvPr>
+          <p:cNvCxnSpPr>
+            <a:cxnSpLocks/>
+          </p:cNvCxnSpPr>
+          <p:nvPr/>
+        </p:nvCxnSpPr>
+        <p:spPr>
           <a:xfrm flipH="1">
-            <a:off x="2998239" y="1195662"/>
-            <a:ext cx="1" cy="1193283"/>
+            <a:off x="3980290" y="486206"/>
+            <a:ext cx="634529" cy="634848"/>
+          </a:xfrm>
+          <a:prstGeom prst="straightConnector1">
+            <a:avLst/>
+          </a:prstGeom>
+          <a:ln w="38100">
+            <a:solidFill>
+              <a:schemeClr val="tx1"/>
+            </a:solidFill>
+            <a:tailEnd type="triangle"/>
+          </a:ln>
+        </p:spPr>
+        <p:style>
+          <a:lnRef idx="1">
+            <a:schemeClr val="accent1"/>
+          </a:lnRef>
+          <a:fillRef idx="0">
+            <a:schemeClr val="accent1"/>
+          </a:fillRef>
+          <a:effectRef idx="0">
+            <a:schemeClr val="accent1"/>
+          </a:effectRef>
+          <a:fontRef idx="minor">
+            <a:schemeClr val="tx1"/>
+          </a:fontRef>
+        </p:style>
+      </p:cxnSp>
+      <p:cxnSp>
+        <p:nvCxnSpPr>
+          <p:cNvPr id="40" name="Straight Arrow Connector 39">
+            <a:extLst>
+              <a:ext uri="{FF2B5EF4-FFF2-40B4-BE49-F238E27FC236}">
+                <a16:creationId xmlns:a16="http://schemas.microsoft.com/office/drawing/2014/main" id="{645DF6A2-7FB9-46CD-ABD5-75E6A99BAE3F}"/>
+              </a:ext>
+            </a:extLst>
+          </p:cNvPr>
+          <p:cNvCxnSpPr>
+            <a:cxnSpLocks/>
+          </p:cNvCxnSpPr>
+          <p:nvPr/>
+        </p:nvCxnSpPr>
+        <p:spPr>
+          <a:xfrm>
+            <a:off x="2754629" y="902623"/>
+            <a:ext cx="0" cy="168505"/>
           </a:xfrm>
           <a:prstGeom prst="straightConnector1">
             <a:avLst/>

--- a/metadata/Fish_Workflow_Tables.pptx
+++ b/metadata/Fish_Workflow_Tables.pptx
@@ -113,12 +113,41 @@
 </p:presentation>
 </file>
 
-<file path=ppt/revisionInfo.xml><?xml version="1.0" encoding="utf-8"?>
-<p1510:revInfo xmlns:a="http://schemas.openxmlformats.org/drawingml/2006/main" xmlns:r="http://schemas.openxmlformats.org/officeDocument/2006/relationships" xmlns:p1510="http://schemas.microsoft.com/office/powerpoint/2015/10/main">
-  <p1510:revLst>
-    <p1510:client id="{43A55E6C-F28B-4968-8520-805C858CAD16}" v="13" dt="2022-06-10T21:11:04.635"/>
-  </p1510:revLst>
-</p1510:revInfo>
+<file path=ppt/changesInfos/changesInfo1.xml><?xml version="1.0" encoding="utf-8"?>
+<pc:chgInfo xmlns:a="http://schemas.openxmlformats.org/drawingml/2006/main" xmlns:r="http://schemas.openxmlformats.org/officeDocument/2006/relationships" xmlns:ac="http://schemas.microsoft.com/office/drawing/2013/main/command" xmlns:pc="http://schemas.microsoft.com/office/powerpoint/2013/main/command">
+  <pc:docChgLst>
+    <pc:chgData name="Pien, Catarina@DWR" userId="5db4c969-fc4f-40b6-b3e1-e51eccd95ace" providerId="ADAL" clId="{8B70DE92-33F9-4BED-9E08-8A88634FDEB4}"/>
+    <pc:docChg chg="undo custSel modSld">
+      <pc:chgData name="Pien, Catarina@DWR" userId="5db4c969-fc4f-40b6-b3e1-e51eccd95ace" providerId="ADAL" clId="{8B70DE92-33F9-4BED-9E08-8A88634FDEB4}" dt="2022-06-13T18:21:02.316" v="16" actId="20577"/>
+      <pc:docMkLst>
+        <pc:docMk/>
+      </pc:docMkLst>
+      <pc:sldChg chg="modSp mod">
+        <pc:chgData name="Pien, Catarina@DWR" userId="5db4c969-fc4f-40b6-b3e1-e51eccd95ace" providerId="ADAL" clId="{8B70DE92-33F9-4BED-9E08-8A88634FDEB4}" dt="2022-06-13T18:21:02.316" v="16" actId="20577"/>
+        <pc:sldMkLst>
+          <pc:docMk/>
+          <pc:sldMk cId="736262757" sldId="259"/>
+        </pc:sldMkLst>
+        <pc:spChg chg="mod">
+          <ac:chgData name="Pien, Catarina@DWR" userId="5db4c969-fc4f-40b6-b3e1-e51eccd95ace" providerId="ADAL" clId="{8B70DE92-33F9-4BED-9E08-8A88634FDEB4}" dt="2022-06-13T18:21:02.316" v="16" actId="20577"/>
+          <ac:spMkLst>
+            <pc:docMk/>
+            <pc:sldMk cId="736262757" sldId="259"/>
+            <ac:spMk id="29" creationId="{789EA3DE-36AF-4E61-AC03-2A07669B4BE6}"/>
+          </ac:spMkLst>
+        </pc:spChg>
+        <pc:spChg chg="mod">
+          <ac:chgData name="Pien, Catarina@DWR" userId="5db4c969-fc4f-40b6-b3e1-e51eccd95ace" providerId="ADAL" clId="{8B70DE92-33F9-4BED-9E08-8A88634FDEB4}" dt="2022-06-13T18:20:57.937" v="13" actId="20577"/>
+          <ac:spMkLst>
+            <pc:docMk/>
+            <pc:sldMk cId="736262757" sldId="259"/>
+            <ac:spMk id="36" creationId="{4322B6BE-8FC8-4727-8E2B-119FB05F857F}"/>
+          </ac:spMkLst>
+        </pc:spChg>
+      </pc:sldChg>
+    </pc:docChg>
+  </pc:docChgLst>
+</pc:chgInfo>
 </file>
 
 <file path=ppt/slideLayouts/slideLayout1.xml><?xml version="1.0" encoding="utf-8"?>
@@ -268,7 +297,7 @@
           <a:p>
             <a:fld id="{C61F7A2E-D841-4ECC-982A-4DE5BA39572F}" type="datetimeFigureOut">
               <a:rPr lang="en-US" smtClean="0"/>
-              <a:t>6/10/2022</a:t>
+              <a:t>6/13/2022</a:t>
             </a:fld>
             <a:endParaRPr lang="en-US"/>
           </a:p>
@@ -466,7 +495,7 @@
           <a:p>
             <a:fld id="{C61F7A2E-D841-4ECC-982A-4DE5BA39572F}" type="datetimeFigureOut">
               <a:rPr lang="en-US" smtClean="0"/>
-              <a:t>6/10/2022</a:t>
+              <a:t>6/13/2022</a:t>
             </a:fld>
             <a:endParaRPr lang="en-US"/>
           </a:p>
@@ -674,7 +703,7 @@
           <a:p>
             <a:fld id="{C61F7A2E-D841-4ECC-982A-4DE5BA39572F}" type="datetimeFigureOut">
               <a:rPr lang="en-US" smtClean="0"/>
-              <a:t>6/10/2022</a:t>
+              <a:t>6/13/2022</a:t>
             </a:fld>
             <a:endParaRPr lang="en-US"/>
           </a:p>
@@ -872,7 +901,7 @@
           <a:p>
             <a:fld id="{C61F7A2E-D841-4ECC-982A-4DE5BA39572F}" type="datetimeFigureOut">
               <a:rPr lang="en-US" smtClean="0"/>
-              <a:t>6/10/2022</a:t>
+              <a:t>6/13/2022</a:t>
             </a:fld>
             <a:endParaRPr lang="en-US"/>
           </a:p>
@@ -1147,7 +1176,7 @@
           <a:p>
             <a:fld id="{C61F7A2E-D841-4ECC-982A-4DE5BA39572F}" type="datetimeFigureOut">
               <a:rPr lang="en-US" smtClean="0"/>
-              <a:t>6/10/2022</a:t>
+              <a:t>6/13/2022</a:t>
             </a:fld>
             <a:endParaRPr lang="en-US"/>
           </a:p>
@@ -1412,7 +1441,7 @@
           <a:p>
             <a:fld id="{C61F7A2E-D841-4ECC-982A-4DE5BA39572F}" type="datetimeFigureOut">
               <a:rPr lang="en-US" smtClean="0"/>
-              <a:t>6/10/2022</a:t>
+              <a:t>6/13/2022</a:t>
             </a:fld>
             <a:endParaRPr lang="en-US"/>
           </a:p>
@@ -1824,7 +1853,7 @@
           <a:p>
             <a:fld id="{C61F7A2E-D841-4ECC-982A-4DE5BA39572F}" type="datetimeFigureOut">
               <a:rPr lang="en-US" smtClean="0"/>
-              <a:t>6/10/2022</a:t>
+              <a:t>6/13/2022</a:t>
             </a:fld>
             <a:endParaRPr lang="en-US"/>
           </a:p>
@@ -1965,7 +1994,7 @@
           <a:p>
             <a:fld id="{C61F7A2E-D841-4ECC-982A-4DE5BA39572F}" type="datetimeFigureOut">
               <a:rPr lang="en-US" smtClean="0"/>
-              <a:t>6/10/2022</a:t>
+              <a:t>6/13/2022</a:t>
             </a:fld>
             <a:endParaRPr lang="en-US"/>
           </a:p>
@@ -2078,7 +2107,7 @@
           <a:p>
             <a:fld id="{C61F7A2E-D841-4ECC-982A-4DE5BA39572F}" type="datetimeFigureOut">
               <a:rPr lang="en-US" smtClean="0"/>
-              <a:t>6/10/2022</a:t>
+              <a:t>6/13/2022</a:t>
             </a:fld>
             <a:endParaRPr lang="en-US"/>
           </a:p>
@@ -2389,7 +2418,7 @@
           <a:p>
             <a:fld id="{C61F7A2E-D841-4ECC-982A-4DE5BA39572F}" type="datetimeFigureOut">
               <a:rPr lang="en-US" smtClean="0"/>
-              <a:t>6/10/2022</a:t>
+              <a:t>6/13/2022</a:t>
             </a:fld>
             <a:endParaRPr lang="en-US"/>
           </a:p>
@@ -2677,7 +2706,7 @@
           <a:p>
             <a:fld id="{C61F7A2E-D841-4ECC-982A-4DE5BA39572F}" type="datetimeFigureOut">
               <a:rPr lang="en-US" smtClean="0"/>
-              <a:t>6/10/2022</a:t>
+              <a:t>6/13/2022</a:t>
             </a:fld>
             <a:endParaRPr lang="en-US"/>
           </a:p>
@@ -2918,7 +2947,7 @@
           <a:p>
             <a:fld id="{C61F7A2E-D841-4ECC-982A-4DE5BA39572F}" type="datetimeFigureOut">
               <a:rPr lang="en-US" smtClean="0"/>
-              <a:t>6/10/2022</a:t>
+              <a:t>6/13/2022</a:t>
             </a:fld>
             <a:endParaRPr lang="en-US"/>
           </a:p>
@@ -4307,8 +4336,13 @@
           <a:p>
             <a:r>
               <a:rPr lang="en-US" sz="1400" b="1" dirty="0"/>
-              <a:t>clean_fish_tables.html</a:t>
+              <a:t>clean_fish_</a:t>
             </a:r>
+            <a:r>
+              <a:rPr lang="en-US" sz="1400" b="1"/>
+              <a:t>tables.pdf</a:t>
+            </a:r>
+            <a:endParaRPr lang="en-US" sz="1400" b="1" dirty="0"/>
           </a:p>
         </p:txBody>
       </p:sp>
@@ -4471,7 +4505,7 @@
             </a:r>
             <a:r>
               <a:rPr lang="en-US" sz="1200" i="1" dirty="0"/>
-              <a:t> output html or pdf</a:t>
+              <a:t> output pdf (optional)</a:t>
             </a:r>
           </a:p>
         </p:txBody>
